--- a/evonik.pptx
+++ b/evonik.pptx
@@ -2079,6 +2079,10 @@
           </p:nvPr>
         </p:nvSpPr>
         <p:spPr>
+          <a:xfrm>
+            <a:off x="990600" y="654046"/>
+            <a:ext cx="10515600" cy="3479804"/>
+          </a:xfrm>
           <a:prstGeom prst="rect">
             <a:avLst/>
           </a:prstGeom>
@@ -2089,7 +2093,7 @@
           </a:bodyPr>
           <a:lstStyle/>
           <a:p>
-            <a:pPr marL="12700" marR="5080" indent="2050414">
+            <a:pPr marL="12700" marR="5080" indent="2050414" algn="l">
               <a:lnSpc>
                 <a:spcPts val="11950"/>
               </a:lnSpc>
@@ -2098,28 +2102,258 @@
               </a:spcBef>
             </a:pPr>
             <a:r>
-              <a:rPr spc="-2310" dirty="0"/>
-              <a:t>EVONIK  </a:t>
-            </a:r>
-            <a:r>
-              <a:rPr spc="-2405" dirty="0">
+              <a:rPr sz="9000" spc="-300" dirty="0">
+                <a:latin typeface="A Sensible Armadillo " pitchFamily="2" charset="77"/>
+              </a:rPr>
+              <a:t>E</a:t>
+            </a:r>
+            <a:r>
+              <a:rPr lang="en-US" sz="9000" spc="-300" dirty="0">
+                <a:latin typeface="A Sensible Armadillo " pitchFamily="2" charset="77"/>
+              </a:rPr>
+              <a:t> </a:t>
+            </a:r>
+            <a:r>
+              <a:rPr sz="9000" spc="-300" dirty="0">
+                <a:latin typeface="A Sensible Armadillo " pitchFamily="2" charset="77"/>
+              </a:rPr>
+              <a:t>V</a:t>
+            </a:r>
+            <a:r>
+              <a:rPr lang="en-US" sz="9000" spc="-300" dirty="0">
+                <a:latin typeface="A Sensible Armadillo " pitchFamily="2" charset="77"/>
+              </a:rPr>
+              <a:t> </a:t>
+            </a:r>
+            <a:r>
+              <a:rPr sz="9000" spc="-300" dirty="0">
+                <a:latin typeface="A Sensible Armadillo " pitchFamily="2" charset="77"/>
+              </a:rPr>
+              <a:t>O</a:t>
+            </a:r>
+            <a:r>
+              <a:rPr lang="en-US" sz="9000" spc="-300" dirty="0">
+                <a:latin typeface="A Sensible Armadillo " pitchFamily="2" charset="77"/>
+              </a:rPr>
+              <a:t> </a:t>
+            </a:r>
+            <a:r>
+              <a:rPr sz="9000" spc="-300" dirty="0">
+                <a:latin typeface="A Sensible Armadillo " pitchFamily="2" charset="77"/>
+              </a:rPr>
+              <a:t>N</a:t>
+            </a:r>
+            <a:r>
+              <a:rPr lang="en-US" sz="9000" spc="-300" dirty="0">
+                <a:latin typeface="A Sensible Armadillo " pitchFamily="2" charset="77"/>
+              </a:rPr>
+              <a:t> </a:t>
+            </a:r>
+            <a:r>
+              <a:rPr sz="9000" spc="-300" dirty="0">
+                <a:latin typeface="A Sensible Armadillo " pitchFamily="2" charset="77"/>
+              </a:rPr>
+              <a:t>I</a:t>
+            </a:r>
+            <a:r>
+              <a:rPr lang="en-US" sz="9000" spc="-300" dirty="0">
+                <a:latin typeface="A Sensible Armadillo " pitchFamily="2" charset="77"/>
+              </a:rPr>
+              <a:t> </a:t>
+            </a:r>
+            <a:r>
+              <a:rPr sz="9000" spc="-300" dirty="0">
+                <a:latin typeface="A Sensible Armadillo " pitchFamily="2" charset="77"/>
+              </a:rPr>
+              <a:t>K  </a:t>
+            </a:r>
+            <a:br>
+              <a:rPr lang="en-US" sz="9000" spc="-300" dirty="0">
+                <a:latin typeface="A Sensible Armadillo " pitchFamily="2" charset="77"/>
+              </a:rPr>
+            </a:br>
+            <a:r>
+              <a:rPr sz="9000" spc="-300" dirty="0">
                 <a:solidFill>
                   <a:srgbClr val="E05B48"/>
                 </a:solidFill>
-              </a:rPr>
-              <a:t>CREATION</a:t>
-            </a:r>
-            <a:r>
-              <a:rPr spc="-1930" dirty="0">
+                <a:latin typeface="A Sensible Armadillo " pitchFamily="2" charset="77"/>
+              </a:rPr>
+              <a:t>C</a:t>
+            </a:r>
+            <a:r>
+              <a:rPr lang="en-US" sz="9000" spc="-300" dirty="0">
                 <a:solidFill>
                   <a:srgbClr val="E05B48"/>
                 </a:solidFill>
-              </a:rPr>
-              <a:t> </a:t>
-            </a:r>
-            <a:r>
-              <a:rPr spc="-1560" dirty="0"/>
-              <a:t>LAB</a:t>
+                <a:latin typeface="A Sensible Armadillo " pitchFamily="2" charset="77"/>
+              </a:rPr>
+              <a:t> </a:t>
+            </a:r>
+            <a:r>
+              <a:rPr sz="9000" spc="-300" dirty="0">
+                <a:solidFill>
+                  <a:srgbClr val="E05B48"/>
+                </a:solidFill>
+                <a:latin typeface="A Sensible Armadillo " pitchFamily="2" charset="77"/>
+              </a:rPr>
+              <a:t>R</a:t>
+            </a:r>
+            <a:r>
+              <a:rPr lang="en-US" sz="9000" spc="-300" dirty="0">
+                <a:solidFill>
+                  <a:srgbClr val="E05B48"/>
+                </a:solidFill>
+                <a:latin typeface="A Sensible Armadillo " pitchFamily="2" charset="77"/>
+              </a:rPr>
+              <a:t> </a:t>
+            </a:r>
+            <a:r>
+              <a:rPr sz="9000" spc="-300" dirty="0">
+                <a:solidFill>
+                  <a:srgbClr val="E05B48"/>
+                </a:solidFill>
+                <a:latin typeface="A Sensible Armadillo " pitchFamily="2" charset="77"/>
+              </a:rPr>
+              <a:t>E</a:t>
+            </a:r>
+            <a:r>
+              <a:rPr lang="en-US" sz="9000" spc="-300" dirty="0">
+                <a:solidFill>
+                  <a:srgbClr val="E05B48"/>
+                </a:solidFill>
+                <a:latin typeface="A Sensible Armadillo " pitchFamily="2" charset="77"/>
+              </a:rPr>
+              <a:t> </a:t>
+            </a:r>
+            <a:r>
+              <a:rPr sz="9000" spc="-300" dirty="0">
+                <a:solidFill>
+                  <a:srgbClr val="E05B48"/>
+                </a:solidFill>
+                <a:latin typeface="A Sensible Armadillo " pitchFamily="2" charset="77"/>
+              </a:rPr>
+              <a:t>A</a:t>
+            </a:r>
+            <a:r>
+              <a:rPr lang="en-US" sz="9000" spc="-300" dirty="0">
+                <a:solidFill>
+                  <a:srgbClr val="E05B48"/>
+                </a:solidFill>
+                <a:latin typeface="A Sensible Armadillo " pitchFamily="2" charset="77"/>
+              </a:rPr>
+              <a:t> </a:t>
+            </a:r>
+            <a:r>
+              <a:rPr sz="9000" spc="-300" dirty="0">
+                <a:solidFill>
+                  <a:srgbClr val="E05B48"/>
+                </a:solidFill>
+                <a:latin typeface="A Sensible Armadillo " pitchFamily="2" charset="77"/>
+              </a:rPr>
+              <a:t>T</a:t>
+            </a:r>
+            <a:r>
+              <a:rPr lang="en-US" sz="9000" spc="-300" dirty="0">
+                <a:solidFill>
+                  <a:srgbClr val="E05B48"/>
+                </a:solidFill>
+                <a:latin typeface="A Sensible Armadillo " pitchFamily="2" charset="77"/>
+              </a:rPr>
+              <a:t> </a:t>
+            </a:r>
+            <a:r>
+              <a:rPr sz="9000" spc="-300" dirty="0">
+                <a:solidFill>
+                  <a:srgbClr val="E05B48"/>
+                </a:solidFill>
+                <a:latin typeface="A Sensible Armadillo " pitchFamily="2" charset="77"/>
+              </a:rPr>
+              <a:t>I</a:t>
+            </a:r>
+            <a:r>
+              <a:rPr lang="en-US" sz="9000" spc="-300" dirty="0">
+                <a:solidFill>
+                  <a:srgbClr val="E05B48"/>
+                </a:solidFill>
+                <a:latin typeface="A Sensible Armadillo " pitchFamily="2" charset="77"/>
+              </a:rPr>
+              <a:t> </a:t>
+            </a:r>
+            <a:r>
+              <a:rPr sz="9000" spc="-300" dirty="0">
+                <a:solidFill>
+                  <a:srgbClr val="E05B48"/>
+                </a:solidFill>
+                <a:latin typeface="A Sensible Armadillo " pitchFamily="2" charset="77"/>
+              </a:rPr>
+              <a:t>O</a:t>
+            </a:r>
+            <a:r>
+              <a:rPr lang="en-US" sz="9000" spc="-300" dirty="0">
+                <a:solidFill>
+                  <a:srgbClr val="E05B48"/>
+                </a:solidFill>
+                <a:latin typeface="A Sensible Armadillo " pitchFamily="2" charset="77"/>
+              </a:rPr>
+              <a:t> </a:t>
+            </a:r>
+            <a:r>
+              <a:rPr sz="9000" spc="-300" dirty="0">
+                <a:solidFill>
+                  <a:srgbClr val="E05B48"/>
+                </a:solidFill>
+                <a:latin typeface="A Sensible Armadillo " pitchFamily="2" charset="77"/>
+              </a:rPr>
+              <a:t>N</a:t>
+            </a:r>
+            <a:r>
+              <a:rPr lang="en-US" sz="9000" spc="-300" dirty="0">
+                <a:solidFill>
+                  <a:srgbClr val="E05B48"/>
+                </a:solidFill>
+                <a:latin typeface="A Sensible Armadillo " pitchFamily="2" charset="77"/>
+              </a:rPr>
+              <a:t> </a:t>
+            </a:r>
+            <a:r>
+              <a:rPr sz="9000" spc="-300" dirty="0">
+                <a:solidFill>
+                  <a:srgbClr val="E05B48"/>
+                </a:solidFill>
+                <a:latin typeface="A Sensible Armadillo " pitchFamily="2" charset="77"/>
+              </a:rPr>
+              <a:t> </a:t>
+            </a:r>
+            <a:r>
+              <a:rPr sz="9000" spc="-300" dirty="0">
+                <a:latin typeface="A Sensible Armadillo " pitchFamily="2" charset="77"/>
+              </a:rPr>
+              <a:t>L</a:t>
+            </a:r>
+            <a:r>
+              <a:rPr lang="en-US" sz="9000" spc="-300" dirty="0">
+                <a:latin typeface="A Sensible Armadillo " pitchFamily="2" charset="77"/>
+              </a:rPr>
+              <a:t> </a:t>
+            </a:r>
+            <a:r>
+              <a:rPr sz="9000" spc="-300" dirty="0">
+                <a:latin typeface="A Sensible Armadillo " pitchFamily="2" charset="77"/>
+              </a:rPr>
+              <a:t>A</a:t>
+            </a:r>
+            <a:r>
+              <a:rPr lang="en-US" sz="9000" spc="-300" dirty="0">
+                <a:latin typeface="A Sensible Armadillo " pitchFamily="2" charset="77"/>
+              </a:rPr>
+              <a:t> </a:t>
+            </a:r>
+            <a:r>
+              <a:rPr sz="9000" spc="-300" dirty="0">
+                <a:latin typeface="A Sensible Armadillo " pitchFamily="2" charset="77"/>
+              </a:rPr>
+              <a:t>B</a:t>
             </a:r>
           </a:p>
         </p:txBody>
@@ -3491,7 +3725,13 @@
           <p:cNvGraphicFramePr>
             <a:graphicFrameLocks noGrp="1"/>
           </p:cNvGraphicFramePr>
-          <p:nvPr/>
+          <p:nvPr>
+            <p:extLst>
+              <p:ext uri="{D42A27DB-BD31-4B8C-83A1-F6EECF244321}">
+                <p14:modId xmlns:p14="http://schemas.microsoft.com/office/powerpoint/2010/main" val="2694021692"/>
+              </p:ext>
+            </p:extLst>
+          </p:nvPr>
         </p:nvGraphicFramePr>
         <p:xfrm>
           <a:off x="1427541" y="3637739"/>
@@ -3544,7 +3784,7 @@
                         </a:tabLst>
                       </a:pPr>
                       <a:r>
-                        <a:rPr sz="1200" spc="280" dirty="0">
+                        <a:rPr sz="1200" b="1" spc="280" dirty="0">
                           <a:solidFill>
                             <a:srgbClr val="252525"/>
                           </a:solidFill>
@@ -3554,7 +3794,7 @@
                         <a:t>S</a:t>
                       </a:r>
                       <a:r>
-                        <a:rPr sz="1200" spc="15" dirty="0">
+                        <a:rPr sz="1200" b="1" spc="15" dirty="0">
                           <a:solidFill>
                             <a:srgbClr val="252525"/>
                           </a:solidFill>
@@ -3564,7 +3804,7 @@
                         <a:t> </a:t>
                       </a:r>
                       <a:r>
-                        <a:rPr sz="1200" spc="475" dirty="0">
+                        <a:rPr sz="1200" b="1" spc="475" dirty="0">
                           <a:solidFill>
                             <a:srgbClr val="252525"/>
                           </a:solidFill>
@@ -3574,7 +3814,7 @@
                         <a:t>O</a:t>
                       </a:r>
                       <a:r>
-                        <a:rPr sz="1200" spc="20" dirty="0">
+                        <a:rPr sz="1200" b="1" spc="20" dirty="0">
                           <a:solidFill>
                             <a:srgbClr val="252525"/>
                           </a:solidFill>
@@ -3584,7 +3824,7 @@
                         <a:t> </a:t>
                       </a:r>
                       <a:r>
-                        <a:rPr sz="1200" spc="345" dirty="0">
+                        <a:rPr sz="1200" b="1" spc="345" dirty="0">
                           <a:solidFill>
                             <a:srgbClr val="252525"/>
                           </a:solidFill>
@@ -3594,7 +3834,7 @@
                         <a:t>C</a:t>
                       </a:r>
                       <a:r>
-                        <a:rPr sz="1200" spc="15" dirty="0">
+                        <a:rPr sz="1200" b="1" spc="15" dirty="0">
                           <a:solidFill>
                             <a:srgbClr val="252525"/>
                           </a:solidFill>
@@ -3604,7 +3844,7 @@
                         <a:t> </a:t>
                       </a:r>
                       <a:r>
-                        <a:rPr sz="1200" spc="190" dirty="0">
+                        <a:rPr sz="1200" b="1" spc="190" dirty="0">
                           <a:solidFill>
                             <a:srgbClr val="252525"/>
                           </a:solidFill>
@@ -3614,7 +3854,7 @@
                         <a:t>I</a:t>
                       </a:r>
                       <a:r>
-                        <a:rPr sz="1200" spc="20" dirty="0">
+                        <a:rPr sz="1200" b="1" spc="20" dirty="0">
                           <a:solidFill>
                             <a:srgbClr val="252525"/>
                           </a:solidFill>
@@ -3624,7 +3864,7 @@
                         <a:t> </a:t>
                       </a:r>
                       <a:r>
-                        <a:rPr sz="1200" spc="484" dirty="0">
+                        <a:rPr sz="1200" b="1" spc="484" dirty="0">
                           <a:solidFill>
                             <a:srgbClr val="252525"/>
                           </a:solidFill>
@@ -3634,7 +3874,7 @@
                         <a:t>A</a:t>
                       </a:r>
                       <a:r>
-                        <a:rPr sz="1200" spc="20" dirty="0">
+                        <a:rPr sz="1200" b="1" spc="20" dirty="0">
                           <a:solidFill>
                             <a:srgbClr val="252525"/>
                           </a:solidFill>
@@ -3644,7 +3884,7 @@
                         <a:t> </a:t>
                       </a:r>
                       <a:r>
-                        <a:rPr sz="1200" spc="260" dirty="0">
+                        <a:rPr sz="1200" b="1" spc="260" dirty="0">
                           <a:solidFill>
                             <a:srgbClr val="252525"/>
                           </a:solidFill>
@@ -3654,7 +3894,7 @@
                         <a:t>L	</a:t>
                       </a:r>
                       <a:r>
-                        <a:rPr sz="1200" spc="610" dirty="0">
+                        <a:rPr sz="1200" b="1" spc="610" dirty="0">
                           <a:solidFill>
                             <a:srgbClr val="252525"/>
                           </a:solidFill>
@@ -3664,7 +3904,7 @@
                         <a:t>M</a:t>
                       </a:r>
                       <a:r>
-                        <a:rPr sz="1200" spc="-5" dirty="0">
+                        <a:rPr sz="1200" b="1" spc="-5" dirty="0">
                           <a:solidFill>
                             <a:srgbClr val="252525"/>
                           </a:solidFill>
@@ -3674,7 +3914,7 @@
                         <a:t> </a:t>
                       </a:r>
                       <a:r>
-                        <a:rPr sz="1200" spc="340" dirty="0">
+                        <a:rPr sz="1200" b="1" spc="340" dirty="0">
                           <a:solidFill>
                             <a:srgbClr val="252525"/>
                           </a:solidFill>
@@ -3684,7 +3924,7 @@
                         <a:t>E</a:t>
                       </a:r>
                       <a:r>
-                        <a:rPr sz="1200" spc="-10" dirty="0">
+                        <a:rPr sz="1200" b="1" spc="-10" dirty="0">
                           <a:solidFill>
                             <a:srgbClr val="252525"/>
                           </a:solidFill>
@@ -3694,7 +3934,7 @@
                         <a:t> </a:t>
                       </a:r>
                       <a:r>
-                        <a:rPr sz="1200" spc="484" dirty="0">
+                        <a:rPr sz="1200" b="1" spc="484" dirty="0">
                           <a:solidFill>
                             <a:srgbClr val="252525"/>
                           </a:solidFill>
@@ -3704,7 +3944,7 @@
                         <a:t>D</a:t>
                       </a:r>
                       <a:r>
-                        <a:rPr sz="1200" spc="-5" dirty="0">
+                        <a:rPr sz="1200" b="1" spc="-5" dirty="0">
                           <a:solidFill>
                             <a:srgbClr val="252525"/>
                           </a:solidFill>
@@ -3714,7 +3954,7 @@
                         <a:t> </a:t>
                       </a:r>
                       <a:r>
-                        <a:rPr sz="1200" spc="190" dirty="0">
+                        <a:rPr sz="1200" b="1" spc="190" dirty="0">
                           <a:solidFill>
                             <a:srgbClr val="252525"/>
                           </a:solidFill>
@@ -3724,7 +3964,7 @@
                         <a:t>I</a:t>
                       </a:r>
                       <a:r>
-                        <a:rPr sz="1200" spc="-5" dirty="0">
+                        <a:rPr sz="1200" b="1" spc="-5" dirty="0">
                           <a:solidFill>
                             <a:srgbClr val="252525"/>
                           </a:solidFill>
@@ -3734,7 +3974,7 @@
                         <a:t> </a:t>
                       </a:r>
                       <a:r>
-                        <a:rPr sz="1200" spc="484" dirty="0">
+                        <a:rPr sz="1200" b="1" spc="484" dirty="0">
                           <a:solidFill>
                             <a:srgbClr val="252525"/>
                           </a:solidFill>
@@ -3743,7 +3983,7 @@
                         </a:rPr>
                         <a:t>A</a:t>
                       </a:r>
-                      <a:endParaRPr sz="1200">
+                      <a:endParaRPr sz="1200" b="1" dirty="0">
                         <a:latin typeface="Arial"/>
                         <a:cs typeface="Arial"/>
                       </a:endParaRPr>
@@ -3758,7 +3998,7 @@
                         </a:spcBef>
                       </a:pPr>
                       <a:r>
-                        <a:rPr sz="1200" spc="190" dirty="0">
+                        <a:rPr sz="1200" b="1" spc="190" dirty="0">
                           <a:solidFill>
                             <a:srgbClr val="252525"/>
                           </a:solidFill>
@@ -3768,7 +4008,7 @@
                         <a:t>I</a:t>
                       </a:r>
                       <a:r>
-                        <a:rPr sz="1200" spc="5" dirty="0">
+                        <a:rPr sz="1200" b="1" spc="5" dirty="0">
                           <a:solidFill>
                             <a:srgbClr val="252525"/>
                           </a:solidFill>
@@ -3778,7 +4018,7 @@
                         <a:t> </a:t>
                       </a:r>
                       <a:r>
-                        <a:rPr sz="1200" spc="515" dirty="0">
+                        <a:rPr sz="1200" b="1" spc="515" dirty="0">
                           <a:solidFill>
                             <a:srgbClr val="252525"/>
                           </a:solidFill>
@@ -3788,7 +4028,7 @@
                         <a:t>N</a:t>
                       </a:r>
                       <a:r>
-                        <a:rPr sz="1200" spc="10" dirty="0">
+                        <a:rPr sz="1200" b="1" spc="10" dirty="0">
                           <a:solidFill>
                             <a:srgbClr val="252525"/>
                           </a:solidFill>
@@ -3798,7 +4038,7 @@
                         <a:t> </a:t>
                       </a:r>
                       <a:r>
-                        <a:rPr sz="1200" spc="275" dirty="0">
+                        <a:rPr sz="1200" b="1" spc="275" dirty="0">
                           <a:solidFill>
                             <a:srgbClr val="252525"/>
                           </a:solidFill>
@@ -3808,7 +4048,7 @@
                         <a:t>T</a:t>
                       </a:r>
                       <a:r>
-                        <a:rPr sz="1200" spc="5" dirty="0">
+                        <a:rPr sz="1200" b="1" spc="5" dirty="0">
                           <a:solidFill>
                             <a:srgbClr val="252525"/>
                           </a:solidFill>
@@ -3818,7 +4058,7 @@
                         <a:t> </a:t>
                       </a:r>
                       <a:r>
-                        <a:rPr sz="1200" spc="340" dirty="0">
+                        <a:rPr sz="1200" b="1" spc="340" dirty="0">
                           <a:solidFill>
                             <a:srgbClr val="252525"/>
                           </a:solidFill>
@@ -3828,7 +4068,7 @@
                         <a:t>E</a:t>
                       </a:r>
                       <a:r>
-                        <a:rPr sz="1200" spc="10" dirty="0">
+                        <a:rPr sz="1200" b="1" spc="10" dirty="0">
                           <a:solidFill>
                             <a:srgbClr val="252525"/>
                           </a:solidFill>
@@ -3838,7 +4078,7 @@
                         <a:t> </a:t>
                       </a:r>
                       <a:r>
-                        <a:rPr sz="1200" spc="370" dirty="0">
+                        <a:rPr sz="1200" b="1" spc="370" dirty="0">
                           <a:solidFill>
                             <a:srgbClr val="252525"/>
                           </a:solidFill>
@@ -3848,7 +4088,7 @@
                         <a:t>G</a:t>
                       </a:r>
                       <a:r>
-                        <a:rPr sz="1200" spc="5" dirty="0">
+                        <a:rPr sz="1200" b="1" spc="5" dirty="0">
                           <a:solidFill>
                             <a:srgbClr val="252525"/>
                           </a:solidFill>
@@ -3858,7 +4098,7 @@
                         <a:t> </a:t>
                       </a:r>
                       <a:r>
-                        <a:rPr sz="1200" spc="390" dirty="0">
+                        <a:rPr sz="1200" b="1" spc="390" dirty="0">
                           <a:solidFill>
                             <a:srgbClr val="252525"/>
                           </a:solidFill>
@@ -3868,7 +4108,7 @@
                         <a:t>R</a:t>
                       </a:r>
                       <a:r>
-                        <a:rPr sz="1200" spc="10" dirty="0">
+                        <a:rPr sz="1200" b="1" spc="10" dirty="0">
                           <a:solidFill>
                             <a:srgbClr val="252525"/>
                           </a:solidFill>
@@ -3878,7 +4118,7 @@
                         <a:t> </a:t>
                       </a:r>
                       <a:r>
-                        <a:rPr sz="1200" spc="484" dirty="0">
+                        <a:rPr sz="1200" b="1" spc="484" dirty="0">
                           <a:solidFill>
                             <a:srgbClr val="252525"/>
                           </a:solidFill>
@@ -3888,7 +4128,7 @@
                         <a:t>A</a:t>
                       </a:r>
                       <a:r>
-                        <a:rPr sz="1200" spc="10" dirty="0">
+                        <a:rPr sz="1200" b="1" spc="10" dirty="0">
                           <a:solidFill>
                             <a:srgbClr val="252525"/>
                           </a:solidFill>
@@ -3898,7 +4138,7 @@
                         <a:t> </a:t>
                       </a:r>
                       <a:r>
-                        <a:rPr sz="1200" spc="275" dirty="0">
+                        <a:rPr sz="1200" b="1" spc="275" dirty="0">
                           <a:solidFill>
                             <a:srgbClr val="252525"/>
                           </a:solidFill>
@@ -3908,7 +4148,7 @@
                         <a:t>T</a:t>
                       </a:r>
                       <a:r>
-                        <a:rPr sz="1200" spc="5" dirty="0">
+                        <a:rPr sz="1200" b="1" spc="5" dirty="0">
                           <a:solidFill>
                             <a:srgbClr val="252525"/>
                           </a:solidFill>
@@ -3918,7 +4158,7 @@
                         <a:t> </a:t>
                       </a:r>
                       <a:r>
-                        <a:rPr sz="1200" spc="190" dirty="0">
+                        <a:rPr sz="1200" b="1" spc="190" dirty="0">
                           <a:solidFill>
                             <a:srgbClr val="252525"/>
                           </a:solidFill>
@@ -3928,7 +4168,7 @@
                         <a:t>I</a:t>
                       </a:r>
                       <a:r>
-                        <a:rPr sz="1200" spc="10" dirty="0">
+                        <a:rPr sz="1200" b="1" spc="10" dirty="0">
                           <a:solidFill>
                             <a:srgbClr val="252525"/>
                           </a:solidFill>
@@ -3938,7 +4178,7 @@
                         <a:t> </a:t>
                       </a:r>
                       <a:r>
-                        <a:rPr sz="1200" spc="475" dirty="0">
+                        <a:rPr sz="1200" b="1" spc="475" dirty="0">
                           <a:solidFill>
                             <a:srgbClr val="252525"/>
                           </a:solidFill>
@@ -3948,7 +4188,7 @@
                         <a:t>O</a:t>
                       </a:r>
                       <a:r>
-                        <a:rPr sz="1200" spc="5" dirty="0">
+                        <a:rPr sz="1200" b="1" spc="5" dirty="0">
                           <a:solidFill>
                             <a:srgbClr val="252525"/>
                           </a:solidFill>
@@ -3958,7 +4198,7 @@
                         <a:t> </a:t>
                       </a:r>
                       <a:r>
-                        <a:rPr sz="1200" spc="515" dirty="0">
+                        <a:rPr sz="1200" b="1" spc="515" dirty="0">
                           <a:solidFill>
                             <a:srgbClr val="252525"/>
                           </a:solidFill>
@@ -3967,7 +4207,7 @@
                         </a:rPr>
                         <a:t>N</a:t>
                       </a:r>
-                      <a:endParaRPr sz="1200">
+                      <a:endParaRPr sz="1200" b="1" dirty="0">
                         <a:latin typeface="Arial"/>
                         <a:cs typeface="Arial"/>
                       </a:endParaRPr>
@@ -3992,7 +4232,7 @@
                         </a:tabLst>
                       </a:pPr>
                       <a:r>
-                        <a:rPr sz="1200" spc="275" dirty="0">
+                        <a:rPr sz="1200" b="1" spc="275" dirty="0">
                           <a:solidFill>
                             <a:srgbClr val="252525"/>
                           </a:solidFill>
@@ -4002,7 +4242,7 @@
                         <a:t>T</a:t>
                       </a:r>
                       <a:r>
-                        <a:rPr sz="1200" spc="15" dirty="0">
+                        <a:rPr sz="1200" b="1" spc="15" dirty="0">
                           <a:solidFill>
                             <a:srgbClr val="252525"/>
                           </a:solidFill>
@@ -4012,7 +4252,7 @@
                         <a:t> </a:t>
                       </a:r>
                       <a:r>
-                        <a:rPr sz="1200" spc="390" dirty="0">
+                        <a:rPr sz="1200" b="1" spc="390" dirty="0">
                           <a:solidFill>
                             <a:srgbClr val="252525"/>
                           </a:solidFill>
@@ -4022,7 +4262,7 @@
                         <a:t>R</a:t>
                       </a:r>
                       <a:r>
-                        <a:rPr sz="1200" spc="15" dirty="0">
+                        <a:rPr sz="1200" b="1" spc="15" dirty="0">
                           <a:solidFill>
                             <a:srgbClr val="252525"/>
                           </a:solidFill>
@@ -4032,7 +4272,7 @@
                         <a:t> </a:t>
                       </a:r>
                       <a:r>
-                        <a:rPr sz="1200" spc="484" dirty="0">
+                        <a:rPr sz="1200" b="1" spc="484" dirty="0">
                           <a:solidFill>
                             <a:srgbClr val="252525"/>
                           </a:solidFill>
@@ -4042,7 +4282,7 @@
                         <a:t>A</a:t>
                       </a:r>
                       <a:r>
-                        <a:rPr sz="1200" spc="20" dirty="0">
+                        <a:rPr sz="1200" b="1" spc="20" dirty="0">
                           <a:solidFill>
                             <a:srgbClr val="252525"/>
                           </a:solidFill>
@@ -4052,7 +4292,7 @@
                         <a:t> </a:t>
                       </a:r>
                       <a:r>
-                        <a:rPr sz="1200" spc="515" dirty="0">
+                        <a:rPr sz="1200" b="1" spc="515" dirty="0">
                           <a:solidFill>
                             <a:srgbClr val="252525"/>
                           </a:solidFill>
@@ -4062,7 +4302,7 @@
                         <a:t>N</a:t>
                       </a:r>
                       <a:r>
-                        <a:rPr sz="1200" spc="15" dirty="0">
+                        <a:rPr sz="1200" b="1" spc="15" dirty="0">
                           <a:solidFill>
                             <a:srgbClr val="252525"/>
                           </a:solidFill>
@@ -4072,7 +4312,7 @@
                         <a:t> </a:t>
                       </a:r>
                       <a:r>
-                        <a:rPr sz="1200" spc="280" dirty="0">
+                        <a:rPr sz="1200" b="1" spc="280" dirty="0">
                           <a:solidFill>
                             <a:srgbClr val="252525"/>
                           </a:solidFill>
@@ -4082,7 +4322,7 @@
                         <a:t>S</a:t>
                       </a:r>
                       <a:r>
-                        <a:rPr sz="1200" spc="20" dirty="0">
+                        <a:rPr sz="1200" b="1" spc="20" dirty="0">
                           <a:solidFill>
                             <a:srgbClr val="252525"/>
                           </a:solidFill>
@@ -4092,7 +4332,7 @@
                         <a:t> </a:t>
                       </a:r>
                       <a:r>
-                        <a:rPr sz="1200" spc="260" dirty="0">
+                        <a:rPr sz="1200" b="1" spc="260" dirty="0">
                           <a:solidFill>
                             <a:srgbClr val="252525"/>
                           </a:solidFill>
@@ -4102,7 +4342,7 @@
                         <a:t>L</a:t>
                       </a:r>
                       <a:r>
-                        <a:rPr sz="1200" spc="15" dirty="0">
+                        <a:rPr sz="1200" b="1" spc="15" dirty="0">
                           <a:solidFill>
                             <a:srgbClr val="252525"/>
                           </a:solidFill>
@@ -4112,7 +4352,7 @@
                         <a:t> </a:t>
                       </a:r>
                       <a:r>
-                        <a:rPr sz="1200" spc="484" dirty="0">
+                        <a:rPr sz="1200" b="1" spc="484" dirty="0">
                           <a:solidFill>
                             <a:srgbClr val="252525"/>
                           </a:solidFill>
@@ -4122,7 +4362,7 @@
                         <a:t>A</a:t>
                       </a:r>
                       <a:r>
-                        <a:rPr sz="1200" spc="20" dirty="0">
+                        <a:rPr sz="1200" b="1" spc="20" dirty="0">
                           <a:solidFill>
                             <a:srgbClr val="252525"/>
                           </a:solidFill>
@@ -4132,7 +4372,7 @@
                         <a:t> </a:t>
                       </a:r>
                       <a:r>
-                        <a:rPr sz="1200" spc="275" dirty="0">
+                        <a:rPr sz="1200" b="1" spc="275" dirty="0">
                           <a:solidFill>
                             <a:srgbClr val="252525"/>
                           </a:solidFill>
@@ -4142,7 +4382,7 @@
                         <a:t>T</a:t>
                       </a:r>
                       <a:r>
-                        <a:rPr sz="1200" spc="15" dirty="0">
+                        <a:rPr sz="1200" b="1" spc="15" dirty="0">
                           <a:solidFill>
                             <a:srgbClr val="252525"/>
                           </a:solidFill>
@@ -4152,7 +4392,7 @@
                         <a:t> </a:t>
                       </a:r>
                       <a:r>
-                        <a:rPr sz="1200" spc="190" dirty="0">
+                        <a:rPr sz="1200" b="1" spc="190" dirty="0">
                           <a:solidFill>
                             <a:srgbClr val="252525"/>
                           </a:solidFill>
@@ -4162,7 +4402,7 @@
                         <a:t>I</a:t>
                       </a:r>
                       <a:r>
-                        <a:rPr sz="1200" spc="20" dirty="0">
+                        <a:rPr sz="1200" b="1" spc="20" dirty="0">
                           <a:solidFill>
                             <a:srgbClr val="252525"/>
                           </a:solidFill>
@@ -4172,7 +4412,7 @@
                         <a:t> </a:t>
                       </a:r>
                       <a:r>
-                        <a:rPr sz="1200" spc="475" dirty="0">
+                        <a:rPr sz="1200" b="1" spc="475" dirty="0">
                           <a:solidFill>
                             <a:srgbClr val="252525"/>
                           </a:solidFill>
@@ -4182,7 +4422,7 @@
                         <a:t>O</a:t>
                       </a:r>
                       <a:r>
-                        <a:rPr sz="1200" spc="15" dirty="0">
+                        <a:rPr sz="1200" b="1" spc="15" dirty="0">
                           <a:solidFill>
                             <a:srgbClr val="252525"/>
                           </a:solidFill>
@@ -4192,7 +4432,7 @@
                         <a:t> </a:t>
                       </a:r>
                       <a:r>
-                        <a:rPr sz="1200" spc="515" dirty="0">
+                        <a:rPr sz="1200" b="1" spc="515" dirty="0">
                           <a:solidFill>
                             <a:srgbClr val="252525"/>
                           </a:solidFill>
@@ -4202,7 +4442,7 @@
                         <a:t>N	</a:t>
                       </a:r>
                       <a:r>
-                        <a:rPr sz="1200" spc="484" dirty="0">
+                        <a:rPr sz="1200" b="1" spc="484" dirty="0">
                           <a:solidFill>
                             <a:srgbClr val="252525"/>
                           </a:solidFill>
@@ -4212,7 +4452,7 @@
                         <a:t>A</a:t>
                       </a:r>
                       <a:r>
-                        <a:rPr sz="1200" spc="5" dirty="0">
+                        <a:rPr sz="1200" b="1" spc="5" dirty="0">
                           <a:solidFill>
                             <a:srgbClr val="252525"/>
                           </a:solidFill>
@@ -4222,7 +4462,7 @@
                         <a:t> </a:t>
                       </a:r>
                       <a:r>
-                        <a:rPr sz="1200" spc="370" dirty="0">
+                        <a:rPr sz="1200" b="1" spc="370" dirty="0">
                           <a:solidFill>
                             <a:srgbClr val="252525"/>
                           </a:solidFill>
@@ -4232,7 +4472,7 @@
                         <a:t>P</a:t>
                       </a:r>
                       <a:r>
-                        <a:rPr sz="1200" spc="5" dirty="0">
+                        <a:rPr sz="1200" b="1" spc="5" dirty="0">
                           <a:solidFill>
                             <a:srgbClr val="252525"/>
                           </a:solidFill>
@@ -4242,7 +4482,7 @@
                         <a:t> </a:t>
                       </a:r>
                       <a:r>
-                        <a:rPr sz="1200" spc="190" dirty="0">
+                        <a:rPr sz="1200" b="1" spc="190" dirty="0">
                           <a:solidFill>
                             <a:srgbClr val="252525"/>
                           </a:solidFill>
@@ -4251,7 +4491,7 @@
                         </a:rPr>
                         <a:t>I</a:t>
                       </a:r>
-                      <a:endParaRPr sz="1200">
+                      <a:endParaRPr sz="1200" b="1" dirty="0">
                         <a:latin typeface="Arial"/>
                         <a:cs typeface="Arial"/>
                       </a:endParaRPr>
@@ -4266,7 +4506,7 @@
                         </a:spcBef>
                       </a:pPr>
                       <a:r>
-                        <a:rPr sz="1200" spc="190" dirty="0">
+                        <a:rPr sz="1200" b="1" spc="190" dirty="0">
                           <a:solidFill>
                             <a:srgbClr val="252525"/>
                           </a:solidFill>
@@ -4276,7 +4516,7 @@
                         <a:t>I</a:t>
                       </a:r>
                       <a:r>
-                        <a:rPr sz="1200" spc="10" dirty="0">
+                        <a:rPr sz="1200" b="1" spc="10" dirty="0">
                           <a:solidFill>
                             <a:srgbClr val="252525"/>
                           </a:solidFill>
@@ -4286,7 +4526,7 @@
                         <a:t> </a:t>
                       </a:r>
                       <a:r>
-                        <a:rPr sz="1200" spc="515" dirty="0">
+                        <a:rPr sz="1200" b="1" spc="515" dirty="0">
                           <a:solidFill>
                             <a:srgbClr val="252525"/>
                           </a:solidFill>
@@ -4296,7 +4536,7 @@
                         <a:t>N</a:t>
                       </a:r>
                       <a:r>
-                        <a:rPr sz="1200" spc="10" dirty="0">
+                        <a:rPr sz="1200" b="1" spc="10" dirty="0">
                           <a:solidFill>
                             <a:srgbClr val="252525"/>
                           </a:solidFill>
@@ -4306,7 +4546,7 @@
                         <a:t> </a:t>
                       </a:r>
                       <a:r>
-                        <a:rPr sz="1200" spc="275" dirty="0">
+                        <a:rPr sz="1200" b="1" spc="275" dirty="0">
                           <a:solidFill>
                             <a:srgbClr val="252525"/>
                           </a:solidFill>
@@ -4316,7 +4556,7 @@
                         <a:t>T</a:t>
                       </a:r>
                       <a:r>
-                        <a:rPr sz="1200" spc="15" dirty="0">
+                        <a:rPr sz="1200" b="1" spc="15" dirty="0">
                           <a:solidFill>
                             <a:srgbClr val="252525"/>
                           </a:solidFill>
@@ -4326,7 +4566,7 @@
                         <a:t> </a:t>
                       </a:r>
                       <a:r>
-                        <a:rPr sz="1200" spc="340" dirty="0">
+                        <a:rPr sz="1200" b="1" spc="340" dirty="0">
                           <a:solidFill>
                             <a:srgbClr val="252525"/>
                           </a:solidFill>
@@ -4336,7 +4576,7 @@
                         <a:t>E</a:t>
                       </a:r>
                       <a:r>
-                        <a:rPr sz="1200" spc="10" dirty="0">
+                        <a:rPr sz="1200" b="1" spc="10" dirty="0">
                           <a:solidFill>
                             <a:srgbClr val="252525"/>
                           </a:solidFill>
@@ -4346,7 +4586,7 @@
                         <a:t> </a:t>
                       </a:r>
                       <a:r>
-                        <a:rPr sz="1200" spc="370" dirty="0">
+                        <a:rPr sz="1200" b="1" spc="370" dirty="0">
                           <a:solidFill>
                             <a:srgbClr val="252525"/>
                           </a:solidFill>
@@ -4356,7 +4596,7 @@
                         <a:t>G</a:t>
                       </a:r>
                       <a:r>
-                        <a:rPr sz="1200" spc="15" dirty="0">
+                        <a:rPr sz="1200" b="1" spc="15" dirty="0">
                           <a:solidFill>
                             <a:srgbClr val="252525"/>
                           </a:solidFill>
@@ -4366,7 +4606,7 @@
                         <a:t> </a:t>
                       </a:r>
                       <a:r>
-                        <a:rPr sz="1200" spc="390" dirty="0">
+                        <a:rPr sz="1200" b="1" spc="390" dirty="0">
                           <a:solidFill>
                             <a:srgbClr val="252525"/>
                           </a:solidFill>
@@ -4376,7 +4616,7 @@
                         <a:t>R</a:t>
                       </a:r>
                       <a:r>
-                        <a:rPr sz="1200" spc="10" dirty="0">
+                        <a:rPr sz="1200" b="1" spc="10" dirty="0">
                           <a:solidFill>
                             <a:srgbClr val="252525"/>
                           </a:solidFill>
@@ -4386,7 +4626,7 @@
                         <a:t> </a:t>
                       </a:r>
                       <a:r>
-                        <a:rPr sz="1200" spc="484" dirty="0">
+                        <a:rPr sz="1200" b="1" spc="484" dirty="0">
                           <a:solidFill>
                             <a:srgbClr val="252525"/>
                           </a:solidFill>
@@ -4396,7 +4636,7 @@
                         <a:t>A</a:t>
                       </a:r>
                       <a:r>
-                        <a:rPr sz="1200" spc="10" dirty="0">
+                        <a:rPr sz="1200" b="1" spc="10" dirty="0">
                           <a:solidFill>
                             <a:srgbClr val="252525"/>
                           </a:solidFill>
@@ -4406,7 +4646,7 @@
                         <a:t> </a:t>
                       </a:r>
                       <a:r>
-                        <a:rPr sz="1200" spc="275" dirty="0">
+                        <a:rPr sz="1200" b="1" spc="275" dirty="0">
                           <a:solidFill>
                             <a:srgbClr val="252525"/>
                           </a:solidFill>
@@ -4416,7 +4656,7 @@
                         <a:t>T</a:t>
                       </a:r>
                       <a:r>
-                        <a:rPr sz="1200" spc="15" dirty="0">
+                        <a:rPr sz="1200" b="1" spc="15" dirty="0">
                           <a:solidFill>
                             <a:srgbClr val="252525"/>
                           </a:solidFill>
@@ -4426,7 +4666,7 @@
                         <a:t> </a:t>
                       </a:r>
                       <a:r>
-                        <a:rPr sz="1200" spc="190" dirty="0">
+                        <a:rPr sz="1200" b="1" spc="190" dirty="0">
                           <a:solidFill>
                             <a:srgbClr val="252525"/>
                           </a:solidFill>
@@ -4436,7 +4676,7 @@
                         <a:t>I</a:t>
                       </a:r>
                       <a:r>
-                        <a:rPr sz="1200" spc="10" dirty="0">
+                        <a:rPr sz="1200" b="1" spc="10" dirty="0">
                           <a:solidFill>
                             <a:srgbClr val="252525"/>
                           </a:solidFill>
@@ -4446,7 +4686,7 @@
                         <a:t> </a:t>
                       </a:r>
                       <a:r>
-                        <a:rPr sz="1200" spc="475" dirty="0">
+                        <a:rPr sz="1200" b="1" spc="475" dirty="0">
                           <a:solidFill>
                             <a:srgbClr val="252525"/>
                           </a:solidFill>
@@ -4456,7 +4696,7 @@
                         <a:t>O</a:t>
                       </a:r>
                       <a:r>
-                        <a:rPr sz="1200" spc="15" dirty="0">
+                        <a:rPr sz="1200" b="1" spc="15" dirty="0">
                           <a:solidFill>
                             <a:srgbClr val="252525"/>
                           </a:solidFill>
@@ -4466,7 +4706,7 @@
                         <a:t> </a:t>
                       </a:r>
                       <a:r>
-                        <a:rPr sz="1200" spc="515" dirty="0">
+                        <a:rPr sz="1200" b="1" spc="515" dirty="0">
                           <a:solidFill>
                             <a:srgbClr val="252525"/>
                           </a:solidFill>
@@ -4475,7 +4715,7 @@
                         </a:rPr>
                         <a:t>N</a:t>
                       </a:r>
-                      <a:endParaRPr sz="1200">
+                      <a:endParaRPr sz="1200" b="1" dirty="0">
                         <a:latin typeface="Arial"/>
                         <a:cs typeface="Arial"/>
                       </a:endParaRPr>
@@ -4497,7 +4737,7 @@
                         </a:spcBef>
                       </a:pPr>
                       <a:r>
-                        <a:rPr sz="1200" spc="280" dirty="0">
+                        <a:rPr sz="1200" b="1" spc="280" dirty="0">
                           <a:solidFill>
                             <a:srgbClr val="252525"/>
                           </a:solidFill>
@@ -4507,7 +4747,7 @@
                         <a:t>S</a:t>
                       </a:r>
                       <a:r>
-                        <a:rPr sz="1200" spc="10" dirty="0">
+                        <a:rPr sz="1200" b="1" spc="10" dirty="0">
                           <a:solidFill>
                             <a:srgbClr val="252525"/>
                           </a:solidFill>
@@ -4517,7 +4757,7 @@
                         <a:t> </a:t>
                       </a:r>
                       <a:r>
-                        <a:rPr sz="1200" spc="370" dirty="0">
+                        <a:rPr sz="1200" b="1" spc="370" dirty="0">
                           <a:solidFill>
                             <a:srgbClr val="252525"/>
                           </a:solidFill>
@@ -4527,7 +4767,7 @@
                         <a:t>P</a:t>
                       </a:r>
                       <a:r>
-                        <a:rPr sz="1200" spc="10" dirty="0">
+                        <a:rPr sz="1200" b="1" spc="10" dirty="0">
                           <a:solidFill>
                             <a:srgbClr val="252525"/>
                           </a:solidFill>
@@ -4537,7 +4777,7 @@
                         <a:t> </a:t>
                       </a:r>
                       <a:r>
-                        <a:rPr sz="1200" spc="340" dirty="0">
+                        <a:rPr sz="1200" b="1" spc="340" dirty="0">
                           <a:solidFill>
                             <a:srgbClr val="252525"/>
                           </a:solidFill>
@@ -4547,7 +4787,7 @@
                         <a:t>E</a:t>
                       </a:r>
                       <a:r>
-                        <a:rPr sz="1200" spc="10" dirty="0">
+                        <a:rPr sz="1200" b="1" spc="10" dirty="0">
                           <a:solidFill>
                             <a:srgbClr val="252525"/>
                           </a:solidFill>
@@ -4557,7 +4797,7 @@
                         <a:t> </a:t>
                       </a:r>
                       <a:r>
-                        <a:rPr sz="1200" spc="340" dirty="0">
+                        <a:rPr sz="1200" b="1" spc="340" dirty="0">
                           <a:solidFill>
                             <a:srgbClr val="252525"/>
                           </a:solidFill>
@@ -4567,7 +4807,7 @@
                         <a:t>E</a:t>
                       </a:r>
                       <a:r>
-                        <a:rPr sz="1200" spc="15" dirty="0">
+                        <a:rPr sz="1200" b="1" spc="15" dirty="0">
                           <a:solidFill>
                             <a:srgbClr val="252525"/>
                           </a:solidFill>
@@ -4577,7 +4817,7 @@
                         <a:t> </a:t>
                       </a:r>
                       <a:r>
-                        <a:rPr sz="1200" spc="345" dirty="0">
+                        <a:rPr sz="1200" b="1" spc="345" dirty="0">
                           <a:solidFill>
                             <a:srgbClr val="252525"/>
                           </a:solidFill>
@@ -4587,7 +4827,7 @@
                         <a:t>C</a:t>
                       </a:r>
                       <a:r>
-                        <a:rPr sz="1200" spc="10" dirty="0">
+                        <a:rPr sz="1200" b="1" spc="10" dirty="0">
                           <a:solidFill>
                             <a:srgbClr val="252525"/>
                           </a:solidFill>
@@ -4597,7 +4837,7 @@
                         <a:t> </a:t>
                       </a:r>
                       <a:r>
-                        <a:rPr sz="1200" spc="509" dirty="0">
+                        <a:rPr sz="1200" b="1" spc="509" dirty="0">
                           <a:solidFill>
                             <a:srgbClr val="252525"/>
                           </a:solidFill>
@@ -4606,7 +4846,7 @@
                         </a:rPr>
                         <a:t>H</a:t>
                       </a:r>
-                      <a:endParaRPr sz="1200">
+                      <a:endParaRPr sz="1200" b="1" dirty="0">
                         <a:latin typeface="Arial"/>
                         <a:cs typeface="Arial"/>
                       </a:endParaRPr>
@@ -4621,7 +4861,7 @@
                         </a:spcBef>
                       </a:pPr>
                       <a:r>
-                        <a:rPr sz="1200" spc="390" dirty="0">
+                        <a:rPr sz="1200" b="1" spc="390" dirty="0">
                           <a:solidFill>
                             <a:srgbClr val="252525"/>
                           </a:solidFill>
@@ -4631,7 +4871,7 @@
                         <a:t>R</a:t>
                       </a:r>
                       <a:r>
-                        <a:rPr sz="1200" spc="10" dirty="0">
+                        <a:rPr sz="1200" b="1" spc="10" dirty="0">
                           <a:solidFill>
                             <a:srgbClr val="252525"/>
                           </a:solidFill>
@@ -4641,7 +4881,7 @@
                         <a:t> </a:t>
                       </a:r>
                       <a:r>
-                        <a:rPr sz="1200" spc="340" dirty="0">
+                        <a:rPr sz="1200" b="1" spc="340" dirty="0">
                           <a:solidFill>
                             <a:srgbClr val="252525"/>
                           </a:solidFill>
@@ -4651,7 +4891,7 @@
                         <a:t>E</a:t>
                       </a:r>
                       <a:r>
-                        <a:rPr sz="1200" spc="10" dirty="0">
+                        <a:rPr sz="1200" b="1" spc="10" dirty="0">
                           <a:solidFill>
                             <a:srgbClr val="252525"/>
                           </a:solidFill>
@@ -4661,7 +4901,7 @@
                         <a:t> </a:t>
                       </a:r>
                       <a:r>
-                        <a:rPr sz="1200" spc="345" dirty="0">
+                        <a:rPr sz="1200" b="1" spc="345" dirty="0">
                           <a:solidFill>
                             <a:srgbClr val="252525"/>
                           </a:solidFill>
@@ -4671,7 +4911,7 @@
                         <a:t>C</a:t>
                       </a:r>
                       <a:r>
-                        <a:rPr sz="1200" spc="10" dirty="0">
+                        <a:rPr sz="1200" b="1" spc="10" dirty="0">
                           <a:solidFill>
                             <a:srgbClr val="252525"/>
                           </a:solidFill>
@@ -4681,7 +4921,7 @@
                         <a:t> </a:t>
                       </a:r>
                       <a:r>
-                        <a:rPr sz="1200" spc="475" dirty="0">
+                        <a:rPr sz="1200" b="1" spc="475" dirty="0">
                           <a:solidFill>
                             <a:srgbClr val="252525"/>
                           </a:solidFill>
@@ -4691,7 +4931,7 @@
                         <a:t>O</a:t>
                       </a:r>
                       <a:r>
-                        <a:rPr sz="1200" spc="10" dirty="0">
+                        <a:rPr sz="1200" b="1" spc="10" dirty="0">
                           <a:solidFill>
                             <a:srgbClr val="252525"/>
                           </a:solidFill>
@@ -4701,7 +4941,7 @@
                         <a:t> </a:t>
                       </a:r>
                       <a:r>
-                        <a:rPr sz="1200" spc="370" dirty="0">
+                        <a:rPr sz="1200" b="1" spc="370" dirty="0">
                           <a:solidFill>
                             <a:srgbClr val="252525"/>
                           </a:solidFill>
@@ -4711,7 +4951,7 @@
                         <a:t>G</a:t>
                       </a:r>
                       <a:r>
-                        <a:rPr sz="1200" spc="10" dirty="0">
+                        <a:rPr sz="1200" b="1" spc="10" dirty="0">
                           <a:solidFill>
                             <a:srgbClr val="252525"/>
                           </a:solidFill>
@@ -4721,7 +4961,7 @@
                         <a:t> </a:t>
                       </a:r>
                       <a:r>
-                        <a:rPr sz="1200" spc="515" dirty="0">
+                        <a:rPr sz="1200" b="1" spc="515" dirty="0">
                           <a:solidFill>
                             <a:srgbClr val="252525"/>
                           </a:solidFill>
@@ -4731,7 +4971,7 @@
                         <a:t>N</a:t>
                       </a:r>
                       <a:r>
-                        <a:rPr sz="1200" spc="10" dirty="0">
+                        <a:rPr sz="1200" b="1" spc="10" dirty="0">
                           <a:solidFill>
                             <a:srgbClr val="252525"/>
                           </a:solidFill>
@@ -4741,7 +4981,7 @@
                         <a:t> </a:t>
                       </a:r>
                       <a:r>
-                        <a:rPr sz="1200" spc="190" dirty="0">
+                        <a:rPr sz="1200" b="1" spc="190" dirty="0">
                           <a:solidFill>
                             <a:srgbClr val="252525"/>
                           </a:solidFill>
@@ -4751,7 +4991,7 @@
                         <a:t>I</a:t>
                       </a:r>
                       <a:r>
-                        <a:rPr sz="1200" spc="10" dirty="0">
+                        <a:rPr sz="1200" b="1" spc="10" dirty="0">
                           <a:solidFill>
                             <a:srgbClr val="252525"/>
                           </a:solidFill>
@@ -4761,7 +5001,7 @@
                         <a:t> </a:t>
                       </a:r>
                       <a:r>
-                        <a:rPr sz="1200" spc="275" dirty="0">
+                        <a:rPr sz="1200" b="1" spc="275" dirty="0">
                           <a:solidFill>
                             <a:srgbClr val="252525"/>
                           </a:solidFill>
@@ -4771,7 +5011,7 @@
                         <a:t>T</a:t>
                       </a:r>
                       <a:r>
-                        <a:rPr sz="1200" spc="10" dirty="0">
+                        <a:rPr sz="1200" b="1" spc="10" dirty="0">
                           <a:solidFill>
                             <a:srgbClr val="252525"/>
                           </a:solidFill>
@@ -4781,7 +5021,7 @@
                         <a:t> </a:t>
                       </a:r>
                       <a:r>
-                        <a:rPr sz="1200" spc="190" dirty="0">
+                        <a:rPr sz="1200" b="1" spc="190" dirty="0">
                           <a:solidFill>
                             <a:srgbClr val="252525"/>
                           </a:solidFill>
@@ -4791,7 +5031,7 @@
                         <a:t>I</a:t>
                       </a:r>
                       <a:r>
-                        <a:rPr sz="1200" spc="10" dirty="0">
+                        <a:rPr sz="1200" b="1" spc="10" dirty="0">
                           <a:solidFill>
                             <a:srgbClr val="252525"/>
                           </a:solidFill>
@@ -4801,7 +5041,7 @@
                         <a:t> </a:t>
                       </a:r>
                       <a:r>
-                        <a:rPr sz="1200" spc="475" dirty="0">
+                        <a:rPr sz="1200" b="1" spc="475" dirty="0">
                           <a:solidFill>
                             <a:srgbClr val="252525"/>
                           </a:solidFill>
@@ -4811,7 +5051,7 @@
                         <a:t>O</a:t>
                       </a:r>
                       <a:r>
-                        <a:rPr sz="1200" spc="10" dirty="0">
+                        <a:rPr sz="1200" b="1" spc="10" dirty="0">
                           <a:solidFill>
                             <a:srgbClr val="252525"/>
                           </a:solidFill>
@@ -4821,7 +5061,7 @@
                         <a:t> </a:t>
                       </a:r>
                       <a:r>
-                        <a:rPr sz="1200" spc="515" dirty="0">
+                        <a:rPr sz="1200" b="1" spc="515" dirty="0">
                           <a:solidFill>
                             <a:srgbClr val="252525"/>
                           </a:solidFill>
@@ -4830,7 +5070,7 @@
                         </a:rPr>
                         <a:t>N</a:t>
                       </a:r>
-                      <a:endParaRPr sz="1200">
+                      <a:endParaRPr sz="1200" b="1" dirty="0">
                         <a:latin typeface="Arial"/>
                         <a:cs typeface="Arial"/>
                       </a:endParaRPr>
@@ -5264,7 +5504,7 @@
                         </a:rPr>
                         <a:t>INTEGRATION</a:t>
                       </a:r>
-                      <a:endParaRPr sz="1100">
+                      <a:endParaRPr sz="1100" dirty="0">
                         <a:latin typeface="Verdana"/>
                         <a:cs typeface="Verdana"/>
                       </a:endParaRPr>
@@ -5358,7 +5598,7 @@
                         </a:rPr>
                         <a:t>AI</a:t>
                       </a:r>
-                      <a:endParaRPr sz="1100">
+                      <a:endParaRPr sz="1100" dirty="0">
                         <a:latin typeface="Verdana"/>
                         <a:cs typeface="Verdana"/>
                       </a:endParaRPr>
@@ -5463,40 +5703,6 @@
           </a:p>
         </p:txBody>
       </p:sp>
-      <p:sp>
-        <p:nvSpPr>
-          <p:cNvPr id="8" name="object 8"/>
-          <p:cNvSpPr txBox="1">
-            <a:spLocks noGrp="1"/>
-          </p:cNvSpPr>
-          <p:nvPr>
-            <p:ph type="sldNum" sz="quarter" idx="7"/>
-          </p:nvPr>
-        </p:nvSpPr>
-        <p:spPr>
-          <a:xfrm>
-            <a:off x="70918" y="5596618"/>
-            <a:ext cx="252729" cy="359073"/>
-          </a:xfrm>
-          <a:prstGeom prst="rect">
-            <a:avLst/>
-          </a:prstGeom>
-        </p:spPr>
-        <p:txBody>
-          <a:bodyPr vert="horz" wrap="square" lIns="0" tIns="0" rIns="0" bIns="0" rtlCol="0">
-            <a:spAutoFit/>
-          </a:bodyPr>
-          <a:lstStyle/>
-          <a:p>
-            <a:pPr marL="25400">
-              <a:lnSpc>
-                <a:spcPts val="2760"/>
-              </a:lnSpc>
-            </a:pPr>
-            <a:endParaRPr spc="-5" dirty="0"/>
-          </a:p>
-        </p:txBody>
-      </p:sp>
     </p:spTree>
   </p:cSld>
   <p:clrMapOvr>
@@ -6037,7 +6243,7 @@
         <p:spPr>
           <a:xfrm>
             <a:off x="1702665" y="3623935"/>
-            <a:ext cx="1630680" cy="214629"/>
+            <a:ext cx="1630680" cy="201978"/>
           </a:xfrm>
           <a:prstGeom prst="rect">
             <a:avLst/>
@@ -6061,7 +6267,7 @@
               </a:tabLst>
             </a:pPr>
             <a:r>
-              <a:rPr sz="1200" spc="270" dirty="0">
+              <a:rPr sz="1200" b="1" spc="270" dirty="0">
                 <a:solidFill>
                   <a:srgbClr val="252525"/>
                 </a:solidFill>
@@ -6071,17 +6277,17 @@
               <a:t>3</a:t>
             </a:r>
             <a:r>
-              <a:rPr sz="1200" spc="15" dirty="0">
-                <a:solidFill>
-                  <a:srgbClr val="252525"/>
-                </a:solidFill>
-                <a:latin typeface="Arial"/>
-                <a:cs typeface="Arial"/>
-              </a:rPr>
-              <a:t> </a:t>
-            </a:r>
-            <a:r>
-              <a:rPr sz="1200" spc="390" dirty="0">
+              <a:rPr sz="1200" b="1" spc="15" dirty="0">
+                <a:solidFill>
+                  <a:srgbClr val="252525"/>
+                </a:solidFill>
+                <a:latin typeface="Arial"/>
+                <a:cs typeface="Arial"/>
+              </a:rPr>
+              <a:t> </a:t>
+            </a:r>
+            <a:r>
+              <a:rPr sz="1200" b="1" spc="390" dirty="0">
                 <a:solidFill>
                   <a:srgbClr val="252525"/>
                 </a:solidFill>
@@ -6091,17 +6297,17 @@
               <a:t>R</a:t>
             </a:r>
             <a:r>
-              <a:rPr sz="1200" spc="15" dirty="0">
-                <a:solidFill>
-                  <a:srgbClr val="252525"/>
-                </a:solidFill>
-                <a:latin typeface="Arial"/>
-                <a:cs typeface="Arial"/>
-              </a:rPr>
-              <a:t> </a:t>
-            </a:r>
-            <a:r>
-              <a:rPr sz="1200" spc="484" dirty="0">
+              <a:rPr sz="1200" b="1" spc="15" dirty="0">
+                <a:solidFill>
+                  <a:srgbClr val="252525"/>
+                </a:solidFill>
+                <a:latin typeface="Arial"/>
+                <a:cs typeface="Arial"/>
+              </a:rPr>
+              <a:t> </a:t>
+            </a:r>
+            <a:r>
+              <a:rPr sz="1200" b="1" spc="484" dirty="0">
                 <a:solidFill>
                   <a:srgbClr val="252525"/>
                 </a:solidFill>
@@ -6111,7 +6317,7 @@
               <a:t>D	</a:t>
             </a:r>
             <a:r>
-              <a:rPr sz="1200" spc="370" dirty="0">
+              <a:rPr sz="1200" b="1" spc="370" dirty="0">
                 <a:solidFill>
                   <a:srgbClr val="252525"/>
                 </a:solidFill>
@@ -6121,17 +6327,17 @@
               <a:t>P</a:t>
             </a:r>
             <a:r>
-              <a:rPr sz="1200" spc="-5" dirty="0">
-                <a:solidFill>
-                  <a:srgbClr val="252525"/>
-                </a:solidFill>
-                <a:latin typeface="Arial"/>
-                <a:cs typeface="Arial"/>
-              </a:rPr>
-              <a:t> </a:t>
-            </a:r>
-            <a:r>
-              <a:rPr sz="1200" spc="484" dirty="0">
+              <a:rPr sz="1200" b="1" spc="-5" dirty="0">
+                <a:solidFill>
+                  <a:srgbClr val="252525"/>
+                </a:solidFill>
+                <a:latin typeface="Arial"/>
+                <a:cs typeface="Arial"/>
+              </a:rPr>
+              <a:t> </a:t>
+            </a:r>
+            <a:r>
+              <a:rPr sz="1200" b="1" spc="484" dirty="0">
                 <a:solidFill>
                   <a:srgbClr val="252525"/>
                 </a:solidFill>
@@ -6141,17 +6347,17 @@
               <a:t>A</a:t>
             </a:r>
             <a:r>
-              <a:rPr sz="1200" spc="-5" dirty="0">
-                <a:solidFill>
-                  <a:srgbClr val="252525"/>
-                </a:solidFill>
-                <a:latin typeface="Arial"/>
-                <a:cs typeface="Arial"/>
-              </a:rPr>
-              <a:t> </a:t>
-            </a:r>
-            <a:r>
-              <a:rPr sz="1200" spc="390" dirty="0">
+              <a:rPr sz="1200" b="1" spc="-5" dirty="0">
+                <a:solidFill>
+                  <a:srgbClr val="252525"/>
+                </a:solidFill>
+                <a:latin typeface="Arial"/>
+                <a:cs typeface="Arial"/>
+              </a:rPr>
+              <a:t> </a:t>
+            </a:r>
+            <a:r>
+              <a:rPr sz="1200" b="1" spc="390" dirty="0">
                 <a:solidFill>
                   <a:srgbClr val="252525"/>
                 </a:solidFill>
@@ -6161,17 +6367,17 @@
               <a:t>R</a:t>
             </a:r>
             <a:r>
-              <a:rPr sz="1200" spc="-5" dirty="0">
-                <a:solidFill>
-                  <a:srgbClr val="252525"/>
-                </a:solidFill>
-                <a:latin typeface="Arial"/>
-                <a:cs typeface="Arial"/>
-              </a:rPr>
-              <a:t> </a:t>
-            </a:r>
-            <a:r>
-              <a:rPr sz="1200" spc="275" dirty="0">
+              <a:rPr sz="1200" b="1" spc="-5" dirty="0">
+                <a:solidFill>
+                  <a:srgbClr val="252525"/>
+                </a:solidFill>
+                <a:latin typeface="Arial"/>
+                <a:cs typeface="Arial"/>
+              </a:rPr>
+              <a:t> </a:t>
+            </a:r>
+            <a:r>
+              <a:rPr sz="1200" b="1" spc="275" dirty="0">
                 <a:solidFill>
                   <a:srgbClr val="252525"/>
                 </a:solidFill>
@@ -6181,17 +6387,17 @@
               <a:t>T</a:t>
             </a:r>
             <a:r>
-              <a:rPr sz="1200" spc="-5" dirty="0">
-                <a:solidFill>
-                  <a:srgbClr val="252525"/>
-                </a:solidFill>
-                <a:latin typeface="Arial"/>
-                <a:cs typeface="Arial"/>
-              </a:rPr>
-              <a:t> </a:t>
-            </a:r>
-            <a:r>
-              <a:rPr sz="1200" spc="310" dirty="0">
+              <a:rPr sz="1200" b="1" spc="-5" dirty="0">
+                <a:solidFill>
+                  <a:srgbClr val="252525"/>
+                </a:solidFill>
+                <a:latin typeface="Arial"/>
+                <a:cs typeface="Arial"/>
+              </a:rPr>
+              <a:t> </a:t>
+            </a:r>
+            <a:r>
+              <a:rPr sz="1200" b="1" spc="310" dirty="0">
                 <a:solidFill>
                   <a:srgbClr val="252525"/>
                 </a:solidFill>
@@ -6200,7 +6406,7 @@
               </a:rPr>
               <a:t>Y</a:t>
             </a:r>
-            <a:endParaRPr sz="1200">
+            <a:endParaRPr sz="1200" b="1" dirty="0">
               <a:latin typeface="Arial"/>
               <a:cs typeface="Arial"/>
             </a:endParaRPr>
@@ -6216,7 +6422,7 @@
         <p:spPr>
           <a:xfrm>
             <a:off x="1556584" y="3934097"/>
-            <a:ext cx="2024380" cy="214629"/>
+            <a:ext cx="2024380" cy="201978"/>
           </a:xfrm>
           <a:prstGeom prst="rect">
             <a:avLst/>
@@ -6237,7 +6443,7 @@
               </a:spcBef>
             </a:pPr>
             <a:r>
-              <a:rPr sz="1200" spc="190" dirty="0">
+              <a:rPr sz="1200" b="1" spc="190" dirty="0">
                 <a:solidFill>
                   <a:srgbClr val="252525"/>
                 </a:solidFill>
@@ -6247,17 +6453,17 @@
               <a:t>I</a:t>
             </a:r>
             <a:r>
-              <a:rPr sz="1200" spc="5" dirty="0">
-                <a:solidFill>
-                  <a:srgbClr val="252525"/>
-                </a:solidFill>
-                <a:latin typeface="Arial"/>
-                <a:cs typeface="Arial"/>
-              </a:rPr>
-              <a:t> </a:t>
-            </a:r>
-            <a:r>
-              <a:rPr sz="1200" spc="515" dirty="0">
+              <a:rPr sz="1200" b="1" spc="5" dirty="0">
+                <a:solidFill>
+                  <a:srgbClr val="252525"/>
+                </a:solidFill>
+                <a:latin typeface="Arial"/>
+                <a:cs typeface="Arial"/>
+              </a:rPr>
+              <a:t> </a:t>
+            </a:r>
+            <a:r>
+              <a:rPr sz="1200" b="1" spc="515" dirty="0">
                 <a:solidFill>
                   <a:srgbClr val="252525"/>
                 </a:solidFill>
@@ -6267,17 +6473,17 @@
               <a:t>N</a:t>
             </a:r>
             <a:r>
-              <a:rPr sz="1200" spc="10" dirty="0">
-                <a:solidFill>
-                  <a:srgbClr val="252525"/>
-                </a:solidFill>
-                <a:latin typeface="Arial"/>
-                <a:cs typeface="Arial"/>
-              </a:rPr>
-              <a:t> </a:t>
-            </a:r>
-            <a:r>
-              <a:rPr sz="1200" spc="275" dirty="0">
+              <a:rPr sz="1200" b="1" spc="10" dirty="0">
+                <a:solidFill>
+                  <a:srgbClr val="252525"/>
+                </a:solidFill>
+                <a:latin typeface="Arial"/>
+                <a:cs typeface="Arial"/>
+              </a:rPr>
+              <a:t> </a:t>
+            </a:r>
+            <a:r>
+              <a:rPr sz="1200" b="1" spc="275" dirty="0">
                 <a:solidFill>
                   <a:srgbClr val="252525"/>
                 </a:solidFill>
@@ -6287,17 +6493,17 @@
               <a:t>T</a:t>
             </a:r>
             <a:r>
-              <a:rPr sz="1200" spc="5" dirty="0">
-                <a:solidFill>
-                  <a:srgbClr val="252525"/>
-                </a:solidFill>
-                <a:latin typeface="Arial"/>
-                <a:cs typeface="Arial"/>
-              </a:rPr>
-              <a:t> </a:t>
-            </a:r>
-            <a:r>
-              <a:rPr sz="1200" spc="340" dirty="0">
+              <a:rPr sz="1200" b="1" spc="5" dirty="0">
+                <a:solidFill>
+                  <a:srgbClr val="252525"/>
+                </a:solidFill>
+                <a:latin typeface="Arial"/>
+                <a:cs typeface="Arial"/>
+              </a:rPr>
+              <a:t> </a:t>
+            </a:r>
+            <a:r>
+              <a:rPr sz="1200" b="1" spc="340" dirty="0">
                 <a:solidFill>
                   <a:srgbClr val="252525"/>
                 </a:solidFill>
@@ -6307,17 +6513,17 @@
               <a:t>E</a:t>
             </a:r>
             <a:r>
-              <a:rPr sz="1200" spc="10" dirty="0">
-                <a:solidFill>
-                  <a:srgbClr val="252525"/>
-                </a:solidFill>
-                <a:latin typeface="Arial"/>
-                <a:cs typeface="Arial"/>
-              </a:rPr>
-              <a:t> </a:t>
-            </a:r>
-            <a:r>
-              <a:rPr sz="1200" spc="370" dirty="0">
+              <a:rPr sz="1200" b="1" spc="10" dirty="0">
+                <a:solidFill>
+                  <a:srgbClr val="252525"/>
+                </a:solidFill>
+                <a:latin typeface="Arial"/>
+                <a:cs typeface="Arial"/>
+              </a:rPr>
+              <a:t> </a:t>
+            </a:r>
+            <a:r>
+              <a:rPr sz="1200" b="1" spc="370" dirty="0">
                 <a:solidFill>
                   <a:srgbClr val="252525"/>
                 </a:solidFill>
@@ -6327,17 +6533,17 @@
               <a:t>G</a:t>
             </a:r>
             <a:r>
-              <a:rPr sz="1200" spc="10" dirty="0">
-                <a:solidFill>
-                  <a:srgbClr val="252525"/>
-                </a:solidFill>
-                <a:latin typeface="Arial"/>
-                <a:cs typeface="Arial"/>
-              </a:rPr>
-              <a:t> </a:t>
-            </a:r>
-            <a:r>
-              <a:rPr sz="1200" spc="390" dirty="0">
+              <a:rPr sz="1200" b="1" spc="10" dirty="0">
+                <a:solidFill>
+                  <a:srgbClr val="252525"/>
+                </a:solidFill>
+                <a:latin typeface="Arial"/>
+                <a:cs typeface="Arial"/>
+              </a:rPr>
+              <a:t> </a:t>
+            </a:r>
+            <a:r>
+              <a:rPr sz="1200" b="1" spc="390" dirty="0">
                 <a:solidFill>
                   <a:srgbClr val="252525"/>
                 </a:solidFill>
@@ -6347,17 +6553,17 @@
               <a:t>R</a:t>
             </a:r>
             <a:r>
-              <a:rPr sz="1200" spc="5" dirty="0">
-                <a:solidFill>
-                  <a:srgbClr val="252525"/>
-                </a:solidFill>
-                <a:latin typeface="Arial"/>
-                <a:cs typeface="Arial"/>
-              </a:rPr>
-              <a:t> </a:t>
-            </a:r>
-            <a:r>
-              <a:rPr sz="1200" spc="484" dirty="0">
+              <a:rPr sz="1200" b="1" spc="5" dirty="0">
+                <a:solidFill>
+                  <a:srgbClr val="252525"/>
+                </a:solidFill>
+                <a:latin typeface="Arial"/>
+                <a:cs typeface="Arial"/>
+              </a:rPr>
+              <a:t> </a:t>
+            </a:r>
+            <a:r>
+              <a:rPr sz="1200" b="1" spc="484" dirty="0">
                 <a:solidFill>
                   <a:srgbClr val="252525"/>
                 </a:solidFill>
@@ -6367,17 +6573,17 @@
               <a:t>A</a:t>
             </a:r>
             <a:r>
-              <a:rPr sz="1200" spc="10" dirty="0">
-                <a:solidFill>
-                  <a:srgbClr val="252525"/>
-                </a:solidFill>
-                <a:latin typeface="Arial"/>
-                <a:cs typeface="Arial"/>
-              </a:rPr>
-              <a:t> </a:t>
-            </a:r>
-            <a:r>
-              <a:rPr sz="1200" spc="275" dirty="0">
+              <a:rPr sz="1200" b="1" spc="10" dirty="0">
+                <a:solidFill>
+                  <a:srgbClr val="252525"/>
+                </a:solidFill>
+                <a:latin typeface="Arial"/>
+                <a:cs typeface="Arial"/>
+              </a:rPr>
+              <a:t> </a:t>
+            </a:r>
+            <a:r>
+              <a:rPr sz="1200" b="1" spc="275" dirty="0">
                 <a:solidFill>
                   <a:srgbClr val="252525"/>
                 </a:solidFill>
@@ -6387,17 +6593,17 @@
               <a:t>T</a:t>
             </a:r>
             <a:r>
-              <a:rPr sz="1200" spc="10" dirty="0">
-                <a:solidFill>
-                  <a:srgbClr val="252525"/>
-                </a:solidFill>
-                <a:latin typeface="Arial"/>
-                <a:cs typeface="Arial"/>
-              </a:rPr>
-              <a:t> </a:t>
-            </a:r>
-            <a:r>
-              <a:rPr sz="1200" spc="190" dirty="0">
+              <a:rPr sz="1200" b="1" spc="10" dirty="0">
+                <a:solidFill>
+                  <a:srgbClr val="252525"/>
+                </a:solidFill>
+                <a:latin typeface="Arial"/>
+                <a:cs typeface="Arial"/>
+              </a:rPr>
+              <a:t> </a:t>
+            </a:r>
+            <a:r>
+              <a:rPr sz="1200" b="1" spc="190" dirty="0">
                 <a:solidFill>
                   <a:srgbClr val="252525"/>
                 </a:solidFill>
@@ -6407,17 +6613,17 @@
               <a:t>I</a:t>
             </a:r>
             <a:r>
-              <a:rPr sz="1200" spc="5" dirty="0">
-                <a:solidFill>
-                  <a:srgbClr val="252525"/>
-                </a:solidFill>
-                <a:latin typeface="Arial"/>
-                <a:cs typeface="Arial"/>
-              </a:rPr>
-              <a:t> </a:t>
-            </a:r>
-            <a:r>
-              <a:rPr sz="1200" spc="475" dirty="0">
+              <a:rPr sz="1200" b="1" spc="5" dirty="0">
+                <a:solidFill>
+                  <a:srgbClr val="252525"/>
+                </a:solidFill>
+                <a:latin typeface="Arial"/>
+                <a:cs typeface="Arial"/>
+              </a:rPr>
+              <a:t> </a:t>
+            </a:r>
+            <a:r>
+              <a:rPr sz="1200" b="1" spc="475" dirty="0">
                 <a:solidFill>
                   <a:srgbClr val="252525"/>
                 </a:solidFill>
@@ -6427,17 +6633,17 @@
               <a:t>O</a:t>
             </a:r>
             <a:r>
-              <a:rPr sz="1200" spc="10" dirty="0">
-                <a:solidFill>
-                  <a:srgbClr val="252525"/>
-                </a:solidFill>
-                <a:latin typeface="Arial"/>
-                <a:cs typeface="Arial"/>
-              </a:rPr>
-              <a:t> </a:t>
-            </a:r>
-            <a:r>
-              <a:rPr sz="1200" spc="515" dirty="0">
+              <a:rPr sz="1200" b="1" spc="10" dirty="0">
+                <a:solidFill>
+                  <a:srgbClr val="252525"/>
+                </a:solidFill>
+                <a:latin typeface="Arial"/>
+                <a:cs typeface="Arial"/>
+              </a:rPr>
+              <a:t> </a:t>
+            </a:r>
+            <a:r>
+              <a:rPr sz="1200" b="1" spc="515" dirty="0">
                 <a:solidFill>
                   <a:srgbClr val="252525"/>
                 </a:solidFill>
@@ -6446,7 +6652,7 @@
               </a:rPr>
               <a:t>N</a:t>
             </a:r>
-            <a:endParaRPr sz="1200">
+            <a:endParaRPr sz="1200" b="1" dirty="0">
               <a:latin typeface="Arial"/>
               <a:cs typeface="Arial"/>
             </a:endParaRPr>
@@ -6729,7 +6935,7 @@
         <p:spPr>
           <a:xfrm>
             <a:off x="7822048" y="3623935"/>
-            <a:ext cx="2078989" cy="214629"/>
+            <a:ext cx="2078989" cy="201978"/>
           </a:xfrm>
           <a:prstGeom prst="rect">
             <a:avLst/>
@@ -6750,7 +6956,7 @@
               </a:spcBef>
             </a:pPr>
             <a:r>
-              <a:rPr sz="1200" spc="280" dirty="0">
+              <a:rPr sz="1200" b="1" spc="280" dirty="0">
                 <a:solidFill>
                   <a:srgbClr val="252525"/>
                 </a:solidFill>
@@ -6760,17 +6966,17 @@
               <a:t>S</a:t>
             </a:r>
             <a:r>
-              <a:rPr sz="1200" spc="5" dirty="0">
-                <a:solidFill>
-                  <a:srgbClr val="252525"/>
-                </a:solidFill>
-                <a:latin typeface="Arial"/>
-                <a:cs typeface="Arial"/>
-              </a:rPr>
-              <a:t> </a:t>
-            </a:r>
-            <a:r>
-              <a:rPr sz="1200" spc="465" dirty="0">
+              <a:rPr sz="1200" b="1" spc="5" dirty="0">
+                <a:solidFill>
+                  <a:srgbClr val="252525"/>
+                </a:solidFill>
+                <a:latin typeface="Arial"/>
+                <a:cs typeface="Arial"/>
+              </a:rPr>
+              <a:t> </a:t>
+            </a:r>
+            <a:r>
+              <a:rPr sz="1200" b="1" spc="465" dirty="0">
                 <a:solidFill>
                   <a:srgbClr val="252525"/>
                 </a:solidFill>
@@ -6780,17 +6986,17 @@
               <a:t>U</a:t>
             </a:r>
             <a:r>
-              <a:rPr sz="1200" spc="10" dirty="0">
-                <a:solidFill>
-                  <a:srgbClr val="252525"/>
-                </a:solidFill>
-                <a:latin typeface="Arial"/>
-                <a:cs typeface="Arial"/>
-              </a:rPr>
-              <a:t> </a:t>
-            </a:r>
-            <a:r>
-              <a:rPr sz="1200" spc="370" dirty="0">
+              <a:rPr sz="1200" b="1" spc="10" dirty="0">
+                <a:solidFill>
+                  <a:srgbClr val="252525"/>
+                </a:solidFill>
+                <a:latin typeface="Arial"/>
+                <a:cs typeface="Arial"/>
+              </a:rPr>
+              <a:t> </a:t>
+            </a:r>
+            <a:r>
+              <a:rPr sz="1200" b="1" spc="370" dirty="0">
                 <a:solidFill>
                   <a:srgbClr val="252525"/>
                 </a:solidFill>
@@ -6800,17 +7006,17 @@
               <a:t>G</a:t>
             </a:r>
             <a:r>
-              <a:rPr sz="1200" spc="10" dirty="0">
-                <a:solidFill>
-                  <a:srgbClr val="252525"/>
-                </a:solidFill>
-                <a:latin typeface="Arial"/>
-                <a:cs typeface="Arial"/>
-              </a:rPr>
-              <a:t> </a:t>
-            </a:r>
-            <a:r>
-              <a:rPr sz="1200" spc="370" dirty="0">
+              <a:rPr sz="1200" b="1" spc="10" dirty="0">
+                <a:solidFill>
+                  <a:srgbClr val="252525"/>
+                </a:solidFill>
+                <a:latin typeface="Arial"/>
+                <a:cs typeface="Arial"/>
+              </a:rPr>
+              <a:t> </a:t>
+            </a:r>
+            <a:r>
+              <a:rPr sz="1200" b="1" spc="370" dirty="0">
                 <a:solidFill>
                   <a:srgbClr val="252525"/>
                 </a:solidFill>
@@ -6820,17 +7026,17 @@
               <a:t>G</a:t>
             </a:r>
             <a:r>
-              <a:rPr sz="1200" spc="10" dirty="0">
-                <a:solidFill>
-                  <a:srgbClr val="252525"/>
-                </a:solidFill>
-                <a:latin typeface="Arial"/>
-                <a:cs typeface="Arial"/>
-              </a:rPr>
-              <a:t> </a:t>
-            </a:r>
-            <a:r>
-              <a:rPr sz="1200" spc="340" dirty="0">
+              <a:rPr sz="1200" b="1" spc="10" dirty="0">
+                <a:solidFill>
+                  <a:srgbClr val="252525"/>
+                </a:solidFill>
+                <a:latin typeface="Arial"/>
+                <a:cs typeface="Arial"/>
+              </a:rPr>
+              <a:t> </a:t>
+            </a:r>
+            <a:r>
+              <a:rPr sz="1200" b="1" spc="340" dirty="0">
                 <a:solidFill>
                   <a:srgbClr val="252525"/>
                 </a:solidFill>
@@ -6840,17 +7046,17 @@
               <a:t>E</a:t>
             </a:r>
             <a:r>
-              <a:rPr sz="1200" spc="5" dirty="0">
-                <a:solidFill>
-                  <a:srgbClr val="252525"/>
-                </a:solidFill>
-                <a:latin typeface="Arial"/>
-                <a:cs typeface="Arial"/>
-              </a:rPr>
-              <a:t> </a:t>
-            </a:r>
-            <a:r>
-              <a:rPr sz="1200" spc="280" dirty="0">
+              <a:rPr sz="1200" b="1" spc="5" dirty="0">
+                <a:solidFill>
+                  <a:srgbClr val="252525"/>
+                </a:solidFill>
+                <a:latin typeface="Arial"/>
+                <a:cs typeface="Arial"/>
+              </a:rPr>
+              <a:t> </a:t>
+            </a:r>
+            <a:r>
+              <a:rPr sz="1200" b="1" spc="280" dirty="0">
                 <a:solidFill>
                   <a:srgbClr val="252525"/>
                 </a:solidFill>
@@ -6860,17 +7066,17 @@
               <a:t>S</a:t>
             </a:r>
             <a:r>
-              <a:rPr sz="1200" spc="10" dirty="0">
-                <a:solidFill>
-                  <a:srgbClr val="252525"/>
-                </a:solidFill>
-                <a:latin typeface="Arial"/>
-                <a:cs typeface="Arial"/>
-              </a:rPr>
-              <a:t> </a:t>
-            </a:r>
-            <a:r>
-              <a:rPr sz="1200" spc="275" dirty="0">
+              <a:rPr sz="1200" b="1" spc="10" dirty="0">
+                <a:solidFill>
+                  <a:srgbClr val="252525"/>
+                </a:solidFill>
+                <a:latin typeface="Arial"/>
+                <a:cs typeface="Arial"/>
+              </a:rPr>
+              <a:t> </a:t>
+            </a:r>
+            <a:r>
+              <a:rPr sz="1200" b="1" spc="275" dirty="0">
                 <a:solidFill>
                   <a:srgbClr val="252525"/>
                 </a:solidFill>
@@ -6880,17 +7086,17 @@
               <a:t>T</a:t>
             </a:r>
             <a:r>
-              <a:rPr sz="1200" spc="10" dirty="0">
-                <a:solidFill>
-                  <a:srgbClr val="252525"/>
-                </a:solidFill>
-                <a:latin typeface="Arial"/>
-                <a:cs typeface="Arial"/>
-              </a:rPr>
-              <a:t> </a:t>
-            </a:r>
-            <a:r>
-              <a:rPr sz="1200" spc="190" dirty="0">
+              <a:rPr sz="1200" b="1" spc="10" dirty="0">
+                <a:solidFill>
+                  <a:srgbClr val="252525"/>
+                </a:solidFill>
+                <a:latin typeface="Arial"/>
+                <a:cs typeface="Arial"/>
+              </a:rPr>
+              <a:t> </a:t>
+            </a:r>
+            <a:r>
+              <a:rPr sz="1200" b="1" spc="190" dirty="0">
                 <a:solidFill>
                   <a:srgbClr val="252525"/>
                 </a:solidFill>
@@ -6900,17 +7106,17 @@
               <a:t>I</a:t>
             </a:r>
             <a:r>
-              <a:rPr sz="1200" spc="10" dirty="0">
-                <a:solidFill>
-                  <a:srgbClr val="252525"/>
-                </a:solidFill>
-                <a:latin typeface="Arial"/>
-                <a:cs typeface="Arial"/>
-              </a:rPr>
-              <a:t> </a:t>
-            </a:r>
-            <a:r>
-              <a:rPr sz="1200" spc="475" dirty="0">
+              <a:rPr sz="1200" b="1" spc="10" dirty="0">
+                <a:solidFill>
+                  <a:srgbClr val="252525"/>
+                </a:solidFill>
+                <a:latin typeface="Arial"/>
+                <a:cs typeface="Arial"/>
+              </a:rPr>
+              <a:t> </a:t>
+            </a:r>
+            <a:r>
+              <a:rPr sz="1200" b="1" spc="475" dirty="0">
                 <a:solidFill>
                   <a:srgbClr val="252525"/>
                 </a:solidFill>
@@ -6920,17 +7126,17 @@
               <a:t>O</a:t>
             </a:r>
             <a:r>
-              <a:rPr sz="1200" spc="5" dirty="0">
-                <a:solidFill>
-                  <a:srgbClr val="252525"/>
-                </a:solidFill>
-                <a:latin typeface="Arial"/>
-                <a:cs typeface="Arial"/>
-              </a:rPr>
-              <a:t> </a:t>
-            </a:r>
-            <a:r>
-              <a:rPr sz="1200" spc="515" dirty="0">
+              <a:rPr sz="1200" b="1" spc="5" dirty="0">
+                <a:solidFill>
+                  <a:srgbClr val="252525"/>
+                </a:solidFill>
+                <a:latin typeface="Arial"/>
+                <a:cs typeface="Arial"/>
+              </a:rPr>
+              <a:t> </a:t>
+            </a:r>
+            <a:r>
+              <a:rPr sz="1200" b="1" spc="515" dirty="0">
                 <a:solidFill>
                   <a:srgbClr val="252525"/>
                 </a:solidFill>
@@ -6940,17 +7146,17 @@
               <a:t>N</a:t>
             </a:r>
             <a:r>
-              <a:rPr sz="1200" spc="10" dirty="0">
-                <a:solidFill>
-                  <a:srgbClr val="252525"/>
-                </a:solidFill>
-                <a:latin typeface="Arial"/>
-                <a:cs typeface="Arial"/>
-              </a:rPr>
-              <a:t> </a:t>
-            </a:r>
-            <a:r>
-              <a:rPr sz="1200" spc="280" dirty="0">
+              <a:rPr sz="1200" b="1" spc="10" dirty="0">
+                <a:solidFill>
+                  <a:srgbClr val="252525"/>
+                </a:solidFill>
+                <a:latin typeface="Arial"/>
+                <a:cs typeface="Arial"/>
+              </a:rPr>
+              <a:t> </a:t>
+            </a:r>
+            <a:r>
+              <a:rPr sz="1200" b="1" spc="280" dirty="0">
                 <a:solidFill>
                   <a:srgbClr val="252525"/>
                 </a:solidFill>
@@ -6959,7 +7165,7 @@
               </a:rPr>
               <a:t>S</a:t>
             </a:r>
-            <a:endParaRPr sz="1200">
+            <a:endParaRPr sz="1200" b="1" dirty="0">
               <a:latin typeface="Arial"/>
               <a:cs typeface="Arial"/>
             </a:endParaRPr>
@@ -7270,7 +7476,7 @@
         <p:spPr>
           <a:xfrm>
             <a:off x="4574131" y="3623935"/>
-            <a:ext cx="2282190" cy="214629"/>
+            <a:ext cx="2282190" cy="201978"/>
           </a:xfrm>
           <a:prstGeom prst="rect">
             <a:avLst/>
@@ -7291,7 +7497,7 @@
               </a:spcBef>
             </a:pPr>
             <a:r>
-              <a:rPr sz="1200" spc="345" dirty="0">
+              <a:rPr sz="1200" b="1" spc="345" dirty="0">
                 <a:solidFill>
                   <a:srgbClr val="252525"/>
                 </a:solidFill>
@@ -7301,17 +7507,17 @@
               <a:t>C</a:t>
             </a:r>
             <a:r>
-              <a:rPr sz="1200" spc="10" dirty="0">
-                <a:solidFill>
-                  <a:srgbClr val="252525"/>
-                </a:solidFill>
-                <a:latin typeface="Arial"/>
-                <a:cs typeface="Arial"/>
-              </a:rPr>
-              <a:t> </a:t>
-            </a:r>
-            <a:r>
-              <a:rPr sz="1200" spc="475" dirty="0">
+              <a:rPr sz="1200" b="1" spc="10" dirty="0">
+                <a:solidFill>
+                  <a:srgbClr val="252525"/>
+                </a:solidFill>
+                <a:latin typeface="Arial"/>
+                <a:cs typeface="Arial"/>
+              </a:rPr>
+              <a:t> </a:t>
+            </a:r>
+            <a:r>
+              <a:rPr sz="1200" b="1" spc="475" dirty="0">
                 <a:solidFill>
                   <a:srgbClr val="252525"/>
                 </a:solidFill>
@@ -7321,17 +7527,17 @@
               <a:t>O</a:t>
             </a:r>
             <a:r>
-              <a:rPr sz="1200" spc="10" dirty="0">
-                <a:solidFill>
-                  <a:srgbClr val="252525"/>
-                </a:solidFill>
-                <a:latin typeface="Arial"/>
-                <a:cs typeface="Arial"/>
-              </a:rPr>
-              <a:t> </a:t>
-            </a:r>
-            <a:r>
-              <a:rPr sz="1200" spc="610" dirty="0">
+              <a:rPr sz="1200" b="1" spc="10" dirty="0">
+                <a:solidFill>
+                  <a:srgbClr val="252525"/>
+                </a:solidFill>
+                <a:latin typeface="Arial"/>
+                <a:cs typeface="Arial"/>
+              </a:rPr>
+              <a:t> </a:t>
+            </a:r>
+            <a:r>
+              <a:rPr sz="1200" b="1" spc="610" dirty="0">
                 <a:solidFill>
                   <a:srgbClr val="252525"/>
                 </a:solidFill>
@@ -7341,17 +7547,17 @@
               <a:t>M</a:t>
             </a:r>
             <a:r>
-              <a:rPr sz="1200" spc="10" dirty="0">
-                <a:solidFill>
-                  <a:srgbClr val="252525"/>
-                </a:solidFill>
-                <a:latin typeface="Arial"/>
-                <a:cs typeface="Arial"/>
-              </a:rPr>
-              <a:t> </a:t>
-            </a:r>
-            <a:r>
-              <a:rPr sz="1200" spc="370" dirty="0">
+              <a:rPr sz="1200" b="1" spc="10" dirty="0">
+                <a:solidFill>
+                  <a:srgbClr val="252525"/>
+                </a:solidFill>
+                <a:latin typeface="Arial"/>
+                <a:cs typeface="Arial"/>
+              </a:rPr>
+              <a:t> </a:t>
+            </a:r>
+            <a:r>
+              <a:rPr sz="1200" b="1" spc="370" dirty="0">
                 <a:solidFill>
                   <a:srgbClr val="252525"/>
                 </a:solidFill>
@@ -7361,17 +7567,17 @@
               <a:t>P</a:t>
             </a:r>
             <a:r>
-              <a:rPr sz="1200" spc="10" dirty="0">
-                <a:solidFill>
-                  <a:srgbClr val="252525"/>
-                </a:solidFill>
-                <a:latin typeface="Arial"/>
-                <a:cs typeface="Arial"/>
-              </a:rPr>
-              <a:t> </a:t>
-            </a:r>
-            <a:r>
-              <a:rPr sz="1200" spc="484" dirty="0">
+              <a:rPr sz="1200" b="1" spc="10" dirty="0">
+                <a:solidFill>
+                  <a:srgbClr val="252525"/>
+                </a:solidFill>
+                <a:latin typeface="Arial"/>
+                <a:cs typeface="Arial"/>
+              </a:rPr>
+              <a:t> </a:t>
+            </a:r>
+            <a:r>
+              <a:rPr sz="1200" b="1" spc="484" dirty="0">
                 <a:solidFill>
                   <a:srgbClr val="252525"/>
                 </a:solidFill>
@@ -7381,17 +7587,17 @@
               <a:t>A</a:t>
             </a:r>
             <a:r>
-              <a:rPr sz="1200" spc="10" dirty="0">
-                <a:solidFill>
-                  <a:srgbClr val="252525"/>
-                </a:solidFill>
-                <a:latin typeface="Arial"/>
-                <a:cs typeface="Arial"/>
-              </a:rPr>
-              <a:t> </a:t>
-            </a:r>
-            <a:r>
-              <a:rPr sz="1200" spc="275" dirty="0">
+              <a:rPr sz="1200" b="1" spc="10" dirty="0">
+                <a:solidFill>
+                  <a:srgbClr val="252525"/>
+                </a:solidFill>
+                <a:latin typeface="Arial"/>
+                <a:cs typeface="Arial"/>
+              </a:rPr>
+              <a:t> </a:t>
+            </a:r>
+            <a:r>
+              <a:rPr sz="1200" b="1" spc="275" dirty="0">
                 <a:solidFill>
                   <a:srgbClr val="252525"/>
                 </a:solidFill>
@@ -7401,17 +7607,17 @@
               <a:t>T</a:t>
             </a:r>
             <a:r>
-              <a:rPr sz="1200" spc="10" dirty="0">
-                <a:solidFill>
-                  <a:srgbClr val="252525"/>
-                </a:solidFill>
-                <a:latin typeface="Arial"/>
-                <a:cs typeface="Arial"/>
-              </a:rPr>
-              <a:t> </a:t>
-            </a:r>
-            <a:r>
-              <a:rPr sz="1200" spc="190" dirty="0">
+              <a:rPr sz="1200" b="1" spc="10" dirty="0">
+                <a:solidFill>
+                  <a:srgbClr val="252525"/>
+                </a:solidFill>
+                <a:latin typeface="Arial"/>
+                <a:cs typeface="Arial"/>
+              </a:rPr>
+              <a:t> </a:t>
+            </a:r>
+            <a:r>
+              <a:rPr sz="1200" b="1" spc="190" dirty="0">
                 <a:solidFill>
                   <a:srgbClr val="252525"/>
                 </a:solidFill>
@@ -7421,17 +7627,17 @@
               <a:t>I</a:t>
             </a:r>
             <a:r>
-              <a:rPr sz="1200" spc="10" dirty="0">
-                <a:solidFill>
-                  <a:srgbClr val="252525"/>
-                </a:solidFill>
-                <a:latin typeface="Arial"/>
-                <a:cs typeface="Arial"/>
-              </a:rPr>
-              <a:t> </a:t>
-            </a:r>
-            <a:r>
-              <a:rPr sz="1200" spc="430" dirty="0">
+              <a:rPr sz="1200" b="1" spc="10" dirty="0">
+                <a:solidFill>
+                  <a:srgbClr val="252525"/>
+                </a:solidFill>
+                <a:latin typeface="Arial"/>
+                <a:cs typeface="Arial"/>
+              </a:rPr>
+              <a:t> </a:t>
+            </a:r>
+            <a:r>
+              <a:rPr sz="1200" b="1" spc="430" dirty="0">
                 <a:solidFill>
                   <a:srgbClr val="252525"/>
                 </a:solidFill>
@@ -7441,17 +7647,17 @@
               <a:t>B</a:t>
             </a:r>
             <a:r>
-              <a:rPr sz="1200" spc="10" dirty="0">
-                <a:solidFill>
-                  <a:srgbClr val="252525"/>
-                </a:solidFill>
-                <a:latin typeface="Arial"/>
-                <a:cs typeface="Arial"/>
-              </a:rPr>
-              <a:t> </a:t>
-            </a:r>
-            <a:r>
-              <a:rPr sz="1200" spc="190" dirty="0">
+              <a:rPr sz="1200" b="1" spc="10" dirty="0">
+                <a:solidFill>
+                  <a:srgbClr val="252525"/>
+                </a:solidFill>
+                <a:latin typeface="Arial"/>
+                <a:cs typeface="Arial"/>
+              </a:rPr>
+              <a:t> </a:t>
+            </a:r>
+            <a:r>
+              <a:rPr sz="1200" b="1" spc="190" dirty="0">
                 <a:solidFill>
                   <a:srgbClr val="252525"/>
                 </a:solidFill>
@@ -7461,17 +7667,17 @@
               <a:t>I</a:t>
             </a:r>
             <a:r>
-              <a:rPr sz="1200" spc="10" dirty="0">
-                <a:solidFill>
-                  <a:srgbClr val="252525"/>
-                </a:solidFill>
-                <a:latin typeface="Arial"/>
-                <a:cs typeface="Arial"/>
-              </a:rPr>
-              <a:t> </a:t>
-            </a:r>
-            <a:r>
-              <a:rPr sz="1200" spc="260" dirty="0">
+              <a:rPr sz="1200" b="1" spc="10" dirty="0">
+                <a:solidFill>
+                  <a:srgbClr val="252525"/>
+                </a:solidFill>
+                <a:latin typeface="Arial"/>
+                <a:cs typeface="Arial"/>
+              </a:rPr>
+              <a:t> </a:t>
+            </a:r>
+            <a:r>
+              <a:rPr sz="1200" b="1" spc="260" dirty="0">
                 <a:solidFill>
                   <a:srgbClr val="252525"/>
                 </a:solidFill>
@@ -7481,17 +7687,17 @@
               <a:t>L</a:t>
             </a:r>
             <a:r>
-              <a:rPr sz="1200" spc="10" dirty="0">
-                <a:solidFill>
-                  <a:srgbClr val="252525"/>
-                </a:solidFill>
-                <a:latin typeface="Arial"/>
-                <a:cs typeface="Arial"/>
-              </a:rPr>
-              <a:t> </a:t>
-            </a:r>
-            <a:r>
-              <a:rPr sz="1200" spc="190" dirty="0">
+              <a:rPr sz="1200" b="1" spc="10" dirty="0">
+                <a:solidFill>
+                  <a:srgbClr val="252525"/>
+                </a:solidFill>
+                <a:latin typeface="Arial"/>
+                <a:cs typeface="Arial"/>
+              </a:rPr>
+              <a:t> </a:t>
+            </a:r>
+            <a:r>
+              <a:rPr sz="1200" b="1" spc="190" dirty="0">
                 <a:solidFill>
                   <a:srgbClr val="252525"/>
                 </a:solidFill>
@@ -7501,17 +7707,17 @@
               <a:t>I</a:t>
             </a:r>
             <a:r>
-              <a:rPr sz="1200" spc="10" dirty="0">
-                <a:solidFill>
-                  <a:srgbClr val="252525"/>
-                </a:solidFill>
-                <a:latin typeface="Arial"/>
-                <a:cs typeface="Arial"/>
-              </a:rPr>
-              <a:t> </a:t>
-            </a:r>
-            <a:r>
-              <a:rPr sz="1200" spc="275" dirty="0">
+              <a:rPr sz="1200" b="1" spc="10" dirty="0">
+                <a:solidFill>
+                  <a:srgbClr val="252525"/>
+                </a:solidFill>
+                <a:latin typeface="Arial"/>
+                <a:cs typeface="Arial"/>
+              </a:rPr>
+              <a:t> </a:t>
+            </a:r>
+            <a:r>
+              <a:rPr sz="1200" b="1" spc="275" dirty="0">
                 <a:solidFill>
                   <a:srgbClr val="252525"/>
                 </a:solidFill>
@@ -7521,17 +7727,17 @@
               <a:t>T</a:t>
             </a:r>
             <a:r>
-              <a:rPr sz="1200" spc="10" dirty="0">
-                <a:solidFill>
-                  <a:srgbClr val="252525"/>
-                </a:solidFill>
-                <a:latin typeface="Arial"/>
-                <a:cs typeface="Arial"/>
-              </a:rPr>
-              <a:t> </a:t>
-            </a:r>
-            <a:r>
-              <a:rPr sz="1200" spc="310" dirty="0">
+              <a:rPr sz="1200" b="1" spc="10" dirty="0">
+                <a:solidFill>
+                  <a:srgbClr val="252525"/>
+                </a:solidFill>
+                <a:latin typeface="Arial"/>
+                <a:cs typeface="Arial"/>
+              </a:rPr>
+              <a:t> </a:t>
+            </a:r>
+            <a:r>
+              <a:rPr sz="1200" b="1" spc="310" dirty="0">
                 <a:solidFill>
                   <a:srgbClr val="252525"/>
                 </a:solidFill>
@@ -7540,7 +7746,7 @@
               </a:rPr>
               <a:t>Y</a:t>
             </a:r>
-            <a:endParaRPr sz="1200">
+            <a:endParaRPr sz="1200" b="1" dirty="0">
               <a:latin typeface="Arial"/>
               <a:cs typeface="Arial"/>
             </a:endParaRPr>
@@ -12514,6 +12720,13 @@
               <a:t> </a:t>
             </a:r>
             <a:r>
+              <a:rPr lang="en-US" sz="1550" b="1" spc="-45" dirty="0">
+                <a:latin typeface="Arial"/>
+                <a:cs typeface="Arial"/>
+              </a:rPr>
+              <a:t> </a:t>
+            </a:r>
+            <a:r>
               <a:rPr sz="1550" b="1" spc="-110" dirty="0">
                 <a:latin typeface="Arial"/>
                 <a:cs typeface="Arial"/>
@@ -12604,7 +12817,7 @@
               </a:rPr>
               <a:t>S</a:t>
             </a:r>
-            <a:endParaRPr sz="1550">
+            <a:endParaRPr sz="1550" dirty="0">
               <a:latin typeface="Arial"/>
               <a:cs typeface="Arial"/>
             </a:endParaRPr>
@@ -12742,6 +12955,13 @@
               <a:t> </a:t>
             </a:r>
             <a:r>
+              <a:rPr lang="en-US" sz="1550" b="1" spc="-60" dirty="0">
+                <a:latin typeface="Arial"/>
+                <a:cs typeface="Arial"/>
+              </a:rPr>
+              <a:t> </a:t>
+            </a:r>
+            <a:r>
               <a:rPr sz="1550" b="1" spc="-90" dirty="0">
                 <a:latin typeface="Arial"/>
                 <a:cs typeface="Arial"/>
@@ -13035,7 +13255,7 @@
               </a:rPr>
               <a:t>S</a:t>
             </a:r>
-            <a:endParaRPr sz="1550">
+            <a:endParaRPr sz="1550" dirty="0">
               <a:latin typeface="Arial"/>
               <a:cs typeface="Arial"/>
             </a:endParaRPr>
@@ -13181,7 +13401,7 @@
         <p:spPr>
           <a:xfrm>
             <a:off x="6477479" y="739892"/>
-            <a:ext cx="1934845" cy="590550"/>
+            <a:ext cx="1934845" cy="558999"/>
           </a:xfrm>
           <a:prstGeom prst="rect">
             <a:avLst/>
@@ -13342,7 +13562,7 @@
               <a:t> </a:t>
             </a:r>
             <a:r>
-              <a:rPr sz="1550" b="1" spc="-210" dirty="0">
+              <a:rPr sz="1550" b="1" spc="-210">
                 <a:solidFill>
                   <a:srgbClr val="000000"/>
                 </a:solidFill>
@@ -13352,7 +13572,7 @@
               <a:t>S</a:t>
             </a:r>
             <a:r>
-              <a:rPr sz="1550" b="1" spc="-170" dirty="0">
+              <a:rPr sz="1550" b="1" spc="-170">
                 <a:solidFill>
                   <a:srgbClr val="000000"/>
                 </a:solidFill>
@@ -13362,17 +13582,27 @@
               <a:t> </a:t>
             </a:r>
             <a:r>
-              <a:rPr sz="1550" b="1" spc="-30" dirty="0">
+              <a:rPr lang="en-US" sz="1550" b="1" spc="-170">
                 <a:solidFill>
                   <a:srgbClr val="000000"/>
                 </a:solidFill>
                 <a:latin typeface="Arial"/>
                 <a:cs typeface="Arial"/>
               </a:rPr>
+              <a:t>  </a:t>
+            </a:r>
+            <a:r>
+              <a:rPr sz="1550" b="1" spc="-30">
+                <a:solidFill>
+                  <a:srgbClr val="000000"/>
+                </a:solidFill>
+                <a:latin typeface="Arial"/>
+                <a:cs typeface="Arial"/>
+              </a:rPr>
               <a:t>A</a:t>
             </a:r>
             <a:r>
-              <a:rPr sz="1550" b="1" spc="-114" dirty="0">
+              <a:rPr sz="1550" b="1" spc="-114">
                 <a:solidFill>
                   <a:srgbClr val="000000"/>
                 </a:solidFill>
@@ -16440,8 +16670,8 @@
         </p:nvSpPr>
         <p:spPr>
           <a:xfrm>
-            <a:off x="669435" y="5048926"/>
-            <a:ext cx="1308100" cy="771525"/>
+            <a:off x="685800" y="5093087"/>
+            <a:ext cx="1308100" cy="671338"/>
           </a:xfrm>
           <a:prstGeom prst="rect">
             <a:avLst/>
@@ -16453,55 +16683,15 @@
           </a:bodyPr>
           <a:lstStyle/>
           <a:p>
-            <a:pPr marL="12700">
+            <a:pPr marL="493395">
               <a:lnSpc>
                 <a:spcPct val="100000"/>
               </a:lnSpc>
               <a:spcBef>
-                <a:spcPts val="515"/>
+                <a:spcPts val="415"/>
               </a:spcBef>
             </a:pPr>
-            <a:r>
-              <a:rPr sz="2100" spc="-540" dirty="0">
-                <a:solidFill>
-                  <a:srgbClr val="F9F9F9"/>
-                </a:solidFill>
-                <a:latin typeface="Arial"/>
-                <a:cs typeface="Arial"/>
-              </a:rPr>
-              <a:t>1 </a:t>
-            </a:r>
-            <a:r>
-              <a:rPr sz="2100" spc="20" dirty="0">
-                <a:solidFill>
-                  <a:srgbClr val="F9F9F9"/>
-                </a:solidFill>
-                <a:latin typeface="Arial"/>
-                <a:cs typeface="Arial"/>
-              </a:rPr>
-              <a:t>9 6</a:t>
-            </a:r>
-            <a:r>
-              <a:rPr sz="2100" spc="-390" dirty="0">
-                <a:solidFill>
-                  <a:srgbClr val="F9F9F9"/>
-                </a:solidFill>
-                <a:latin typeface="Arial"/>
-                <a:cs typeface="Arial"/>
-              </a:rPr>
-              <a:t> </a:t>
-            </a:r>
-            <a:r>
-              <a:rPr sz="2100" spc="20" dirty="0">
-                <a:solidFill>
-                  <a:srgbClr val="F9F9F9"/>
-                </a:solidFill>
-                <a:latin typeface="Arial"/>
-                <a:cs typeface="Arial"/>
-              </a:rPr>
-              <a:t>6</a:t>
-            </a:r>
-            <a:endParaRPr sz="2100">
+            <a:endParaRPr lang="en-US" i="1" spc="-275" dirty="0">
               <a:latin typeface="Arial"/>
               <a:cs typeface="Arial"/>
             </a:endParaRPr>
@@ -16516,44 +16706,12 @@
               </a:spcBef>
             </a:pPr>
             <a:r>
-              <a:rPr sz="2100" spc="-275" dirty="0">
-                <a:latin typeface="Arial"/>
-                <a:cs typeface="Arial"/>
-              </a:rPr>
-              <a:t>P </a:t>
-            </a:r>
-            <a:r>
-              <a:rPr sz="2100" spc="45" dirty="0">
-                <a:latin typeface="Arial"/>
-                <a:cs typeface="Arial"/>
-              </a:rPr>
-              <a:t>A </a:t>
-            </a:r>
-            <a:r>
-              <a:rPr sz="2100" spc="-80" dirty="0">
-                <a:latin typeface="Arial"/>
-                <a:cs typeface="Arial"/>
-              </a:rPr>
-              <a:t>S</a:t>
-            </a:r>
-            <a:r>
-              <a:rPr sz="2100" spc="-350" dirty="0">
-                <a:latin typeface="Arial"/>
-                <a:cs typeface="Arial"/>
-              </a:rPr>
-              <a:t> </a:t>
-            </a:r>
-            <a:r>
-              <a:rPr sz="2100" spc="-135" dirty="0">
-                <a:latin typeface="Arial"/>
-                <a:cs typeface="Arial"/>
-              </a:rPr>
-              <a:t>T</a:t>
-            </a:r>
-            <a:endParaRPr sz="2100">
-              <a:latin typeface="Arial"/>
-              <a:cs typeface="Arial"/>
-            </a:endParaRPr>
+              <a:rPr lang="en-US" i="1" spc="-150" dirty="0">
+                <a:latin typeface="Arial"/>
+                <a:cs typeface="Arial"/>
+              </a:rPr>
+              <a:t>P A S T</a:t>
+            </a:r>
           </a:p>
         </p:txBody>
       </p:sp>
@@ -16566,7 +16724,7 @@
         <p:spPr>
           <a:xfrm>
             <a:off x="5015608" y="5474602"/>
-            <a:ext cx="1398905" cy="345440"/>
+            <a:ext cx="1689992" cy="289823"/>
           </a:xfrm>
           <a:prstGeom prst="rect">
             <a:avLst/>
@@ -16587,65 +16745,12 @@
               </a:spcBef>
             </a:pPr>
             <a:r>
-              <a:rPr sz="2100" spc="-275" dirty="0">
-                <a:latin typeface="Arial"/>
-                <a:cs typeface="Arial"/>
-              </a:rPr>
-              <a:t>P </a:t>
-            </a:r>
-            <a:r>
-              <a:rPr sz="2100" spc="-360" dirty="0">
-                <a:latin typeface="Arial"/>
-                <a:cs typeface="Arial"/>
-              </a:rPr>
-              <a:t>R </a:t>
-            </a:r>
-            <a:r>
-              <a:rPr sz="2100" spc="-325" dirty="0">
-                <a:latin typeface="Arial"/>
-                <a:cs typeface="Arial"/>
-              </a:rPr>
-              <a:t>E </a:t>
-            </a:r>
-            <a:r>
-              <a:rPr sz="2100" spc="-80" dirty="0">
-                <a:latin typeface="Arial"/>
-                <a:cs typeface="Arial"/>
-              </a:rPr>
-              <a:t>S </a:t>
-            </a:r>
-            <a:r>
-              <a:rPr sz="2100" spc="-325" dirty="0">
-                <a:latin typeface="Arial"/>
-                <a:cs typeface="Arial"/>
-              </a:rPr>
-              <a:t>E </a:t>
-            </a:r>
-            <a:r>
-              <a:rPr sz="2100" spc="-145" dirty="0">
-                <a:latin typeface="Arial"/>
-                <a:cs typeface="Arial"/>
-              </a:rPr>
-              <a:t>N</a:t>
-            </a:r>
-            <a:r>
-              <a:rPr sz="2100" spc="-445" dirty="0">
-                <a:latin typeface="Arial"/>
-                <a:cs typeface="Arial"/>
-              </a:rPr>
-              <a:t> </a:t>
-            </a:r>
-            <a:r>
-              <a:rPr sz="2100" spc="-135" dirty="0">
-                <a:latin typeface="Arial"/>
-                <a:cs typeface="Arial"/>
-              </a:rPr>
-              <a:t>T</a:t>
-            </a:r>
-            <a:endParaRPr sz="2100">
-              <a:latin typeface="Arial"/>
-              <a:cs typeface="Arial"/>
-            </a:endParaRPr>
+              <a:rPr i="1" spc="-150" dirty="0">
+                <a:latin typeface="Arial"/>
+                <a:cs typeface="Arial"/>
+              </a:rPr>
+              <a:t>P R E S E N T</a:t>
+            </a:r>
           </a:p>
         </p:txBody>
       </p:sp>
@@ -16658,7 +16763,7 @@
         <p:spPr>
           <a:xfrm>
             <a:off x="9116550" y="5444039"/>
-            <a:ext cx="1204595" cy="345440"/>
+            <a:ext cx="1308100" cy="289823"/>
           </a:xfrm>
           <a:prstGeom prst="rect">
             <a:avLst/>
@@ -16679,58 +16784,12 @@
               </a:spcBef>
             </a:pPr>
             <a:r>
-              <a:rPr sz="2100" spc="-225" dirty="0">
-                <a:latin typeface="Arial"/>
-                <a:cs typeface="Arial"/>
-              </a:rPr>
-              <a:t>F </a:t>
-            </a:r>
-            <a:r>
-              <a:rPr sz="2100" spc="-150" dirty="0">
-                <a:latin typeface="Arial"/>
-                <a:cs typeface="Arial"/>
-              </a:rPr>
-              <a:t>U </a:t>
-            </a:r>
-            <a:r>
-              <a:rPr sz="2100" spc="-135" dirty="0">
-                <a:latin typeface="Arial"/>
-                <a:cs typeface="Arial"/>
-              </a:rPr>
-              <a:t>T </a:t>
-            </a:r>
-            <a:r>
-              <a:rPr sz="2100" spc="-150" dirty="0">
-                <a:latin typeface="Arial"/>
-                <a:cs typeface="Arial"/>
-              </a:rPr>
-              <a:t>U </a:t>
-            </a:r>
-            <a:r>
-              <a:rPr sz="2100" spc="-360" dirty="0">
-                <a:latin typeface="Arial"/>
-                <a:cs typeface="Arial"/>
-              </a:rPr>
-              <a:t>R</a:t>
-            </a:r>
-            <a:r>
-              <a:rPr sz="2100" spc="-250" dirty="0">
-                <a:latin typeface="Arial"/>
-                <a:cs typeface="Arial"/>
-              </a:rPr>
-              <a:t> </a:t>
-            </a:r>
-            <a:r>
-              <a:rPr sz="2100" spc="-325" dirty="0">
-                <a:latin typeface="Arial"/>
-                <a:cs typeface="Arial"/>
-              </a:rPr>
-              <a:t>E</a:t>
-            </a:r>
-            <a:endParaRPr sz="2100">
-              <a:latin typeface="Arial"/>
-              <a:cs typeface="Arial"/>
-            </a:endParaRPr>
+              <a:rPr i="1" spc="-150" dirty="0">
+                <a:latin typeface="Arial"/>
+                <a:cs typeface="Arial"/>
+              </a:rPr>
+              <a:t>F U T U R E</a:t>
+            </a:r>
           </a:p>
         </p:txBody>
       </p:sp>
@@ -16772,7 +16831,7 @@
         <p:spPr>
           <a:xfrm>
             <a:off x="4115722" y="376037"/>
-            <a:ext cx="4121785" cy="654050"/>
+            <a:ext cx="5028278" cy="646972"/>
           </a:xfrm>
           <a:prstGeom prst="rect">
             <a:avLst/>
@@ -16817,16 +16876,24 @@
               <a:t>Chatbots</a:t>
             </a:r>
             <a:r>
-              <a:rPr sz="2950" spc="-25" dirty="0">
+              <a:rPr lang="en-US" sz="4100" spc="-25" dirty="0">
+                <a:solidFill>
+                  <a:srgbClr val="252525"/>
+                </a:solidFill>
+              </a:rPr>
+              <a:t> ?</a:t>
+            </a:r>
+            <a:r>
+              <a:rPr lang="en-US" sz="3200" b="1" spc="-25" dirty="0">
                 <a:solidFill>
                   <a:srgbClr val="252525"/>
                 </a:solidFill>
                 <a:latin typeface="Tahoma"/>
                 <a:cs typeface="Tahoma"/>
               </a:rPr>
-              <a:t>?</a:t>
-            </a:r>
-            <a:endParaRPr sz="2950">
+              <a:t> </a:t>
+            </a:r>
+            <a:endParaRPr sz="2950" b="1" dirty="0">
               <a:latin typeface="Tahoma"/>
               <a:cs typeface="Tahoma"/>
             </a:endParaRPr>
@@ -18136,8 +18203,8 @@
         </p:nvSpPr>
         <p:spPr>
           <a:xfrm>
-            <a:off x="4118137" y="928424"/>
-            <a:ext cx="3194685" cy="513080"/>
+            <a:off x="323647" y="928424"/>
+            <a:ext cx="10725353" cy="505267"/>
           </a:xfrm>
           <a:prstGeom prst="rect">
             <a:avLst/>
@@ -18149,7 +18216,7 @@
           </a:bodyPr>
           <a:lstStyle/>
           <a:p>
-            <a:pPr marL="12700">
+            <a:pPr marL="12700" algn="ctr">
               <a:lnSpc>
                 <a:spcPct val="100000"/>
               </a:lnSpc>
@@ -18158,36 +18225,16 @@
               </a:spcBef>
             </a:pPr>
             <a:r>
-              <a:rPr sz="3200" spc="-680" dirty="0">
+              <a:rPr sz="3200" dirty="0">
                 <a:solidFill>
                   <a:srgbClr val="000000"/>
                 </a:solidFill>
                 <a:latin typeface="Arial"/>
                 <a:cs typeface="Arial"/>
               </a:rPr>
-              <a:t>PRODUCT</a:t>
-            </a:r>
-            <a:r>
-              <a:rPr sz="3200" spc="-565" dirty="0">
-                <a:solidFill>
-                  <a:srgbClr val="000000"/>
-                </a:solidFill>
-                <a:latin typeface="Arial"/>
-                <a:cs typeface="Arial"/>
-              </a:rPr>
-              <a:t> </a:t>
-            </a:r>
-            <a:r>
-              <a:rPr sz="3200" spc="-530" dirty="0">
-                <a:solidFill>
-                  <a:srgbClr val="000000"/>
-                </a:solidFill>
-                <a:latin typeface="Arial"/>
-                <a:cs typeface="Arial"/>
-              </a:rPr>
-              <a:t>STRATEGY</a:t>
-            </a:r>
-            <a:endParaRPr sz="3200">
+              <a:t>PRODUCT STRATEGY</a:t>
+            </a:r>
+            <a:endParaRPr sz="3200" dirty="0">
               <a:latin typeface="Arial"/>
               <a:cs typeface="Arial"/>
             </a:endParaRPr>
@@ -18345,40 +18392,6 @@
           </a:p>
         </p:txBody>
       </p:sp>
-      <p:sp>
-        <p:nvSpPr>
-          <p:cNvPr id="4" name="object 4"/>
-          <p:cNvSpPr txBox="1">
-            <a:spLocks noGrp="1"/>
-          </p:cNvSpPr>
-          <p:nvPr>
-            <p:ph type="sldNum" sz="quarter" idx="7"/>
-          </p:nvPr>
-        </p:nvSpPr>
-        <p:spPr>
-          <a:xfrm>
-            <a:off x="70918" y="5596618"/>
-            <a:ext cx="252729" cy="359073"/>
-          </a:xfrm>
-          <a:prstGeom prst="rect">
-            <a:avLst/>
-          </a:prstGeom>
-        </p:spPr>
-        <p:txBody>
-          <a:bodyPr vert="horz" wrap="square" lIns="0" tIns="0" rIns="0" bIns="0" rtlCol="0">
-            <a:spAutoFit/>
-          </a:bodyPr>
-          <a:lstStyle/>
-          <a:p>
-            <a:pPr marL="25400">
-              <a:lnSpc>
-                <a:spcPts val="2760"/>
-              </a:lnSpc>
-            </a:pPr>
-            <a:endParaRPr spc="-5" dirty="0"/>
-          </a:p>
-        </p:txBody>
-      </p:sp>
     </p:spTree>
   </p:cSld>
   <p:clrMapOvr>
@@ -18430,40 +18443,6 @@
           <a:lstStyle/>
           <a:p>
             <a:endParaRPr/>
-          </a:p>
-        </p:txBody>
-      </p:sp>
-      <p:sp>
-        <p:nvSpPr>
-          <p:cNvPr id="3" name="object 3"/>
-          <p:cNvSpPr txBox="1">
-            <a:spLocks noGrp="1"/>
-          </p:cNvSpPr>
-          <p:nvPr>
-            <p:ph type="sldNum" sz="quarter" idx="7"/>
-          </p:nvPr>
-        </p:nvSpPr>
-        <p:spPr>
-          <a:xfrm>
-            <a:off x="70918" y="5596618"/>
-            <a:ext cx="252729" cy="359073"/>
-          </a:xfrm>
-          <a:prstGeom prst="rect">
-            <a:avLst/>
-          </a:prstGeom>
-        </p:spPr>
-        <p:txBody>
-          <a:bodyPr vert="horz" wrap="square" lIns="0" tIns="0" rIns="0" bIns="0" rtlCol="0">
-            <a:spAutoFit/>
-          </a:bodyPr>
-          <a:lstStyle/>
-          <a:p>
-            <a:pPr marL="25400">
-              <a:lnSpc>
-                <a:spcPts val="2760"/>
-              </a:lnSpc>
-            </a:pPr>
-            <a:endParaRPr spc="-5" dirty="0"/>
           </a:p>
         </p:txBody>
       </p:sp>
